--- a/Presentations/MugShot Concept Pitch.pptx
+++ b/Presentations/MugShot Concept Pitch.pptx
@@ -4,6 +4,9 @@
   <p:sldMasterIdLst>
     <p:sldMasterId id="2147483840" r:id="rId1"/>
   </p:sldMasterIdLst>
+  <p:notesMasterIdLst>
+    <p:notesMasterId r:id="rId10"/>
+  </p:notesMasterIdLst>
   <p:sldIdLst>
     <p:sldId id="256" r:id="rId2"/>
     <p:sldId id="257" r:id="rId3"/>
@@ -111,7 +114,1331 @@
       </a:defRPr>
     </a:lvl9pPr>
   </p:defaultTextStyle>
+  <p:extLst>
+    <p:ext uri="{EFAFB233-063F-42B5-8137-9DF3F51BA10A}">
+      <p15:sldGuideLst xmlns:p15="http://schemas.microsoft.com/office/powerpoint/2012/main"/>
+    </p:ext>
+  </p:extLst>
 </p:presentation>
+</file>
+
+<file path=ppt/notesMasters/notesMaster1.xml><?xml version="1.0" encoding="utf-8"?>
+<p:notesMaster xmlns:a="http://schemas.openxmlformats.org/drawingml/2006/main" xmlns:r="http://schemas.openxmlformats.org/officeDocument/2006/relationships" xmlns:p="http://schemas.openxmlformats.org/presentationml/2006/main">
+  <p:cSld>
+    <p:bg>
+      <p:bgRef idx="1001">
+        <a:schemeClr val="bg1"/>
+      </p:bgRef>
+    </p:bg>
+    <p:spTree>
+      <p:nvGrpSpPr>
+        <p:cNvPr id="1" name=""/>
+        <p:cNvGrpSpPr/>
+        <p:nvPr/>
+      </p:nvGrpSpPr>
+      <p:grpSpPr>
+        <a:xfrm>
+          <a:off x="0" y="0"/>
+          <a:ext cx="0" cy="0"/>
+          <a:chOff x="0" y="0"/>
+          <a:chExt cx="0" cy="0"/>
+        </a:xfrm>
+      </p:grpSpPr>
+      <p:sp>
+        <p:nvSpPr>
+          <p:cNvPr id="2" name="Header Placeholder 1"/>
+          <p:cNvSpPr>
+            <a:spLocks noGrp="1"/>
+          </p:cNvSpPr>
+          <p:nvPr>
+            <p:ph type="hdr" sz="quarter"/>
+          </p:nvPr>
+        </p:nvSpPr>
+        <p:spPr>
+          <a:xfrm>
+            <a:off x="0" y="0"/>
+            <a:ext cx="2971800" cy="458788"/>
+          </a:xfrm>
+          <a:prstGeom prst="rect">
+            <a:avLst/>
+          </a:prstGeom>
+        </p:spPr>
+        <p:txBody>
+          <a:bodyPr vert="horz" lIns="91440" tIns="45720" rIns="91440" bIns="45720" rtlCol="0"/>
+          <a:lstStyle>
+            <a:lvl1pPr algn="l">
+              <a:defRPr sz="1200"/>
+            </a:lvl1pPr>
+          </a:lstStyle>
+          <a:p>
+            <a:endParaRPr lang="en-GB"/>
+          </a:p>
+        </p:txBody>
+      </p:sp>
+      <p:sp>
+        <p:nvSpPr>
+          <p:cNvPr id="3" name="Date Placeholder 2"/>
+          <p:cNvSpPr>
+            <a:spLocks noGrp="1"/>
+          </p:cNvSpPr>
+          <p:nvPr>
+            <p:ph type="dt" idx="1"/>
+          </p:nvPr>
+        </p:nvSpPr>
+        <p:spPr>
+          <a:xfrm>
+            <a:off x="3884613" y="0"/>
+            <a:ext cx="2971800" cy="458788"/>
+          </a:xfrm>
+          <a:prstGeom prst="rect">
+            <a:avLst/>
+          </a:prstGeom>
+        </p:spPr>
+        <p:txBody>
+          <a:bodyPr vert="horz" lIns="91440" tIns="45720" rIns="91440" bIns="45720" rtlCol="0"/>
+          <a:lstStyle>
+            <a:lvl1pPr algn="r">
+              <a:defRPr sz="1200"/>
+            </a:lvl1pPr>
+          </a:lstStyle>
+          <a:p>
+            <a:fld id="{C8FABA2A-3B3F-44E7-86FA-94BC109E2568}" type="datetimeFigureOut">
+              <a:rPr lang="en-GB" smtClean="0"/>
+              <a:t>12/02/2019</a:t>
+            </a:fld>
+            <a:endParaRPr lang="en-GB"/>
+          </a:p>
+        </p:txBody>
+      </p:sp>
+      <p:sp>
+        <p:nvSpPr>
+          <p:cNvPr id="4" name="Slide Image Placeholder 3"/>
+          <p:cNvSpPr>
+            <a:spLocks noGrp="1" noRot="1" noChangeAspect="1"/>
+          </p:cNvSpPr>
+          <p:nvPr>
+            <p:ph type="sldImg" idx="2"/>
+          </p:nvPr>
+        </p:nvSpPr>
+        <p:spPr>
+          <a:xfrm>
+            <a:off x="685800" y="1143000"/>
+            <a:ext cx="5486400" cy="3086100"/>
+          </a:xfrm>
+          <a:prstGeom prst="rect">
+            <a:avLst/>
+          </a:prstGeom>
+          <a:noFill/>
+          <a:ln w="12700">
+            <a:solidFill>
+              <a:prstClr val="black"/>
+            </a:solidFill>
+          </a:ln>
+        </p:spPr>
+        <p:txBody>
+          <a:bodyPr vert="horz" lIns="91440" tIns="45720" rIns="91440" bIns="45720" rtlCol="0" anchor="ctr"/>
+          <a:lstStyle/>
+          <a:p>
+            <a:endParaRPr lang="en-GB"/>
+          </a:p>
+        </p:txBody>
+      </p:sp>
+      <p:sp>
+        <p:nvSpPr>
+          <p:cNvPr id="5" name="Notes Placeholder 4"/>
+          <p:cNvSpPr>
+            <a:spLocks noGrp="1"/>
+          </p:cNvSpPr>
+          <p:nvPr>
+            <p:ph type="body" sz="quarter" idx="3"/>
+          </p:nvPr>
+        </p:nvSpPr>
+        <p:spPr>
+          <a:xfrm>
+            <a:off x="685800" y="4400550"/>
+            <a:ext cx="5486400" cy="3600450"/>
+          </a:xfrm>
+          <a:prstGeom prst="rect">
+            <a:avLst/>
+          </a:prstGeom>
+        </p:spPr>
+        <p:txBody>
+          <a:bodyPr vert="horz" lIns="91440" tIns="45720" rIns="91440" bIns="45720" rtlCol="0"/>
+          <a:lstStyle/>
+          <a:p>
+            <a:pPr lvl="0"/>
+            <a:r>
+              <a:rPr lang="en-US"/>
+              <a:t>Edit Master text styles</a:t>
+            </a:r>
+          </a:p>
+          <a:p>
+            <a:pPr lvl="1"/>
+            <a:r>
+              <a:rPr lang="en-US"/>
+              <a:t>Second level</a:t>
+            </a:r>
+          </a:p>
+          <a:p>
+            <a:pPr lvl="2"/>
+            <a:r>
+              <a:rPr lang="en-US"/>
+              <a:t>Third level</a:t>
+            </a:r>
+          </a:p>
+          <a:p>
+            <a:pPr lvl="3"/>
+            <a:r>
+              <a:rPr lang="en-US"/>
+              <a:t>Fourth level</a:t>
+            </a:r>
+          </a:p>
+          <a:p>
+            <a:pPr lvl="4"/>
+            <a:r>
+              <a:rPr lang="en-US"/>
+              <a:t>Fifth level</a:t>
+            </a:r>
+            <a:endParaRPr lang="en-GB"/>
+          </a:p>
+        </p:txBody>
+      </p:sp>
+      <p:sp>
+        <p:nvSpPr>
+          <p:cNvPr id="6" name="Footer Placeholder 5"/>
+          <p:cNvSpPr>
+            <a:spLocks noGrp="1"/>
+          </p:cNvSpPr>
+          <p:nvPr>
+            <p:ph type="ftr" sz="quarter" idx="4"/>
+          </p:nvPr>
+        </p:nvSpPr>
+        <p:spPr>
+          <a:xfrm>
+            <a:off x="0" y="8685213"/>
+            <a:ext cx="2971800" cy="458787"/>
+          </a:xfrm>
+          <a:prstGeom prst="rect">
+            <a:avLst/>
+          </a:prstGeom>
+        </p:spPr>
+        <p:txBody>
+          <a:bodyPr vert="horz" lIns="91440" tIns="45720" rIns="91440" bIns="45720" rtlCol="0" anchor="b"/>
+          <a:lstStyle>
+            <a:lvl1pPr algn="l">
+              <a:defRPr sz="1200"/>
+            </a:lvl1pPr>
+          </a:lstStyle>
+          <a:p>
+            <a:endParaRPr lang="en-GB"/>
+          </a:p>
+        </p:txBody>
+      </p:sp>
+      <p:sp>
+        <p:nvSpPr>
+          <p:cNvPr id="7" name="Slide Number Placeholder 6"/>
+          <p:cNvSpPr>
+            <a:spLocks noGrp="1"/>
+          </p:cNvSpPr>
+          <p:nvPr>
+            <p:ph type="sldNum" sz="quarter" idx="5"/>
+          </p:nvPr>
+        </p:nvSpPr>
+        <p:spPr>
+          <a:xfrm>
+            <a:off x="3884613" y="8685213"/>
+            <a:ext cx="2971800" cy="458787"/>
+          </a:xfrm>
+          <a:prstGeom prst="rect">
+            <a:avLst/>
+          </a:prstGeom>
+        </p:spPr>
+        <p:txBody>
+          <a:bodyPr vert="horz" lIns="91440" tIns="45720" rIns="91440" bIns="45720" rtlCol="0" anchor="b"/>
+          <a:lstStyle>
+            <a:lvl1pPr algn="r">
+              <a:defRPr sz="1200"/>
+            </a:lvl1pPr>
+          </a:lstStyle>
+          <a:p>
+            <a:fld id="{91A93E66-DEA8-4E8F-9363-186D98DB9659}" type="slidenum">
+              <a:rPr lang="en-GB" smtClean="0"/>
+              <a:t>‹#›</a:t>
+            </a:fld>
+            <a:endParaRPr lang="en-GB"/>
+          </a:p>
+        </p:txBody>
+      </p:sp>
+    </p:spTree>
+    <p:extLst>
+      <p:ext uri="{BB962C8B-B14F-4D97-AF65-F5344CB8AC3E}">
+        <p14:creationId xmlns:p14="http://schemas.microsoft.com/office/powerpoint/2010/main" val="3731299603"/>
+      </p:ext>
+    </p:extLst>
+  </p:cSld>
+  <p:clrMap bg1="lt1" tx1="dk1" bg2="lt2" tx2="dk2" accent1="accent1" accent2="accent2" accent3="accent3" accent4="accent4" accent5="accent5" accent6="accent6" hlink="hlink" folHlink="folHlink"/>
+  <p:notesStyle>
+    <a:lvl1pPr marL="0" algn="l" defTabSz="914400" rtl="0" eaLnBrk="1" latinLnBrk="0" hangingPunct="1">
+      <a:defRPr sz="1200" kern="1200">
+        <a:solidFill>
+          <a:schemeClr val="tx1"/>
+        </a:solidFill>
+        <a:latin typeface="+mn-lt"/>
+        <a:ea typeface="+mn-ea"/>
+        <a:cs typeface="+mn-cs"/>
+      </a:defRPr>
+    </a:lvl1pPr>
+    <a:lvl2pPr marL="457200" algn="l" defTabSz="914400" rtl="0" eaLnBrk="1" latinLnBrk="0" hangingPunct="1">
+      <a:defRPr sz="1200" kern="1200">
+        <a:solidFill>
+          <a:schemeClr val="tx1"/>
+        </a:solidFill>
+        <a:latin typeface="+mn-lt"/>
+        <a:ea typeface="+mn-ea"/>
+        <a:cs typeface="+mn-cs"/>
+      </a:defRPr>
+    </a:lvl2pPr>
+    <a:lvl3pPr marL="914400" algn="l" defTabSz="914400" rtl="0" eaLnBrk="1" latinLnBrk="0" hangingPunct="1">
+      <a:defRPr sz="1200" kern="1200">
+        <a:solidFill>
+          <a:schemeClr val="tx1"/>
+        </a:solidFill>
+        <a:latin typeface="+mn-lt"/>
+        <a:ea typeface="+mn-ea"/>
+        <a:cs typeface="+mn-cs"/>
+      </a:defRPr>
+    </a:lvl3pPr>
+    <a:lvl4pPr marL="1371600" algn="l" defTabSz="914400" rtl="0" eaLnBrk="1" latinLnBrk="0" hangingPunct="1">
+      <a:defRPr sz="1200" kern="1200">
+        <a:solidFill>
+          <a:schemeClr val="tx1"/>
+        </a:solidFill>
+        <a:latin typeface="+mn-lt"/>
+        <a:ea typeface="+mn-ea"/>
+        <a:cs typeface="+mn-cs"/>
+      </a:defRPr>
+    </a:lvl4pPr>
+    <a:lvl5pPr marL="1828800" algn="l" defTabSz="914400" rtl="0" eaLnBrk="1" latinLnBrk="0" hangingPunct="1">
+      <a:defRPr sz="1200" kern="1200">
+        <a:solidFill>
+          <a:schemeClr val="tx1"/>
+        </a:solidFill>
+        <a:latin typeface="+mn-lt"/>
+        <a:ea typeface="+mn-ea"/>
+        <a:cs typeface="+mn-cs"/>
+      </a:defRPr>
+    </a:lvl5pPr>
+    <a:lvl6pPr marL="2286000" algn="l" defTabSz="914400" rtl="0" eaLnBrk="1" latinLnBrk="0" hangingPunct="1">
+      <a:defRPr sz="1200" kern="1200">
+        <a:solidFill>
+          <a:schemeClr val="tx1"/>
+        </a:solidFill>
+        <a:latin typeface="+mn-lt"/>
+        <a:ea typeface="+mn-ea"/>
+        <a:cs typeface="+mn-cs"/>
+      </a:defRPr>
+    </a:lvl6pPr>
+    <a:lvl7pPr marL="2743200" algn="l" defTabSz="914400" rtl="0" eaLnBrk="1" latinLnBrk="0" hangingPunct="1">
+      <a:defRPr sz="1200" kern="1200">
+        <a:solidFill>
+          <a:schemeClr val="tx1"/>
+        </a:solidFill>
+        <a:latin typeface="+mn-lt"/>
+        <a:ea typeface="+mn-ea"/>
+        <a:cs typeface="+mn-cs"/>
+      </a:defRPr>
+    </a:lvl7pPr>
+    <a:lvl8pPr marL="3200400" algn="l" defTabSz="914400" rtl="0" eaLnBrk="1" latinLnBrk="0" hangingPunct="1">
+      <a:defRPr sz="1200" kern="1200">
+        <a:solidFill>
+          <a:schemeClr val="tx1"/>
+        </a:solidFill>
+        <a:latin typeface="+mn-lt"/>
+        <a:ea typeface="+mn-ea"/>
+        <a:cs typeface="+mn-cs"/>
+      </a:defRPr>
+    </a:lvl8pPr>
+    <a:lvl9pPr marL="3657600" algn="l" defTabSz="914400" rtl="0" eaLnBrk="1" latinLnBrk="0" hangingPunct="1">
+      <a:defRPr sz="1200" kern="1200">
+        <a:solidFill>
+          <a:schemeClr val="tx1"/>
+        </a:solidFill>
+        <a:latin typeface="+mn-lt"/>
+        <a:ea typeface="+mn-ea"/>
+        <a:cs typeface="+mn-cs"/>
+      </a:defRPr>
+    </a:lvl9pPr>
+  </p:notesStyle>
+</p:notesMaster>
+</file>
+
+<file path=ppt/notesSlides/notesSlide1.xml><?xml version="1.0" encoding="utf-8"?>
+<p:notes xmlns:a="http://schemas.openxmlformats.org/drawingml/2006/main" xmlns:r="http://schemas.openxmlformats.org/officeDocument/2006/relationships" xmlns:p="http://schemas.openxmlformats.org/presentationml/2006/main">
+  <p:cSld>
+    <p:spTree>
+      <p:nvGrpSpPr>
+        <p:cNvPr id="1" name=""/>
+        <p:cNvGrpSpPr/>
+        <p:nvPr/>
+      </p:nvGrpSpPr>
+      <p:grpSpPr>
+        <a:xfrm>
+          <a:off x="0" y="0"/>
+          <a:ext cx="0" cy="0"/>
+          <a:chOff x="0" y="0"/>
+          <a:chExt cx="0" cy="0"/>
+        </a:xfrm>
+      </p:grpSpPr>
+      <p:sp>
+        <p:nvSpPr>
+          <p:cNvPr id="2" name="Slide Image Placeholder 1"/>
+          <p:cNvSpPr>
+            <a:spLocks noGrp="1" noRot="1" noChangeAspect="1"/>
+          </p:cNvSpPr>
+          <p:nvPr>
+            <p:ph type="sldImg"/>
+          </p:nvPr>
+        </p:nvSpPr>
+        <p:spPr/>
+      </p:sp>
+      <p:sp>
+        <p:nvSpPr>
+          <p:cNvPr id="3" name="Notes Placeholder 2"/>
+          <p:cNvSpPr>
+            <a:spLocks noGrp="1"/>
+          </p:cNvSpPr>
+          <p:nvPr>
+            <p:ph type="body" idx="1"/>
+          </p:nvPr>
+        </p:nvSpPr>
+        <p:spPr/>
+        <p:txBody>
+          <a:bodyPr/>
+          <a:lstStyle/>
+          <a:p>
+            <a:r>
+              <a:rPr lang="en-US" sz="1200" kern="1200" dirty="0">
+                <a:solidFill>
+                  <a:schemeClr val="tx1"/>
+                </a:solidFill>
+                <a:effectLst/>
+                <a:latin typeface="+mn-lt"/>
+                <a:ea typeface="+mn-ea"/>
+                <a:cs typeface="+mn-cs"/>
+              </a:rPr>
+              <a:t>Arcade Game. (2018). In Merriam-Webster’s online dictionary. Retrieved from 	</a:t>
+            </a:r>
+            <a:r>
+              <a:rPr lang="en-US" sz="1200" u="sng" kern="1200" dirty="0">
+                <a:solidFill>
+                  <a:schemeClr val="tx1"/>
+                </a:solidFill>
+                <a:effectLst/>
+                <a:latin typeface="+mn-lt"/>
+                <a:ea typeface="+mn-ea"/>
+                <a:cs typeface="+mn-cs"/>
+                <a:hlinkClick r:id="rId3"/>
+              </a:rPr>
+              <a:t>https://www.merriam-webster.com/dictionary/arcade%20game</a:t>
+            </a:r>
+            <a:endParaRPr lang="en-GB" sz="1200" kern="1200" dirty="0">
+              <a:solidFill>
+                <a:schemeClr val="tx1"/>
+              </a:solidFill>
+              <a:effectLst/>
+              <a:latin typeface="+mn-lt"/>
+              <a:ea typeface="+mn-ea"/>
+              <a:cs typeface="+mn-cs"/>
+            </a:endParaRPr>
+          </a:p>
+          <a:p>
+            <a:r>
+              <a:rPr lang="en-US" sz="1200" kern="1200" dirty="0">
+                <a:solidFill>
+                  <a:schemeClr val="tx1"/>
+                </a:solidFill>
+                <a:effectLst/>
+                <a:latin typeface="+mn-lt"/>
+                <a:ea typeface="+mn-ea"/>
+                <a:cs typeface="+mn-cs"/>
+              </a:rPr>
+              <a:t> </a:t>
+            </a:r>
+            <a:endParaRPr lang="en-GB" sz="1200" kern="1200" dirty="0">
+              <a:solidFill>
+                <a:schemeClr val="tx1"/>
+              </a:solidFill>
+              <a:effectLst/>
+              <a:latin typeface="+mn-lt"/>
+              <a:ea typeface="+mn-ea"/>
+              <a:cs typeface="+mn-cs"/>
+            </a:endParaRPr>
+          </a:p>
+          <a:p>
+            <a:r>
+              <a:rPr lang="en-US" sz="1200" kern="1200" dirty="0">
+                <a:solidFill>
+                  <a:schemeClr val="tx1"/>
+                </a:solidFill>
+                <a:effectLst/>
+                <a:latin typeface="+mn-lt"/>
+                <a:ea typeface="+mn-ea"/>
+                <a:cs typeface="+mn-cs"/>
+              </a:rPr>
+              <a:t>Arcade Game. In Techopedia. Retrieved from 	</a:t>
+            </a:r>
+            <a:r>
+              <a:rPr lang="en-US" sz="1200" u="sng" kern="1200" dirty="0">
+                <a:solidFill>
+                  <a:schemeClr val="tx1"/>
+                </a:solidFill>
+                <a:effectLst/>
+                <a:latin typeface="+mn-lt"/>
+                <a:ea typeface="+mn-ea"/>
+                <a:cs typeface="+mn-cs"/>
+                <a:hlinkClick r:id="rId4"/>
+              </a:rPr>
+              <a:t>https://www.techopedia.com/definition/1903/arcade-game</a:t>
+            </a:r>
+            <a:endParaRPr lang="en-GB" sz="1200" kern="1200" dirty="0">
+              <a:solidFill>
+                <a:schemeClr val="tx1"/>
+              </a:solidFill>
+              <a:effectLst/>
+              <a:latin typeface="+mn-lt"/>
+              <a:ea typeface="+mn-ea"/>
+              <a:cs typeface="+mn-cs"/>
+            </a:endParaRPr>
+          </a:p>
+          <a:p>
+            <a:r>
+              <a:rPr lang="en-US" sz="1200" kern="1200" dirty="0">
+                <a:solidFill>
+                  <a:schemeClr val="tx1"/>
+                </a:solidFill>
+                <a:effectLst/>
+                <a:latin typeface="+mn-lt"/>
+                <a:ea typeface="+mn-ea"/>
+                <a:cs typeface="+mn-cs"/>
+              </a:rPr>
+              <a:t> </a:t>
+            </a:r>
+            <a:endParaRPr lang="en-GB" sz="1200" kern="1200" dirty="0">
+              <a:solidFill>
+                <a:schemeClr val="tx1"/>
+              </a:solidFill>
+              <a:effectLst/>
+              <a:latin typeface="+mn-lt"/>
+              <a:ea typeface="+mn-ea"/>
+              <a:cs typeface="+mn-cs"/>
+            </a:endParaRPr>
+          </a:p>
+          <a:p>
+            <a:r>
+              <a:rPr lang="en-US" sz="1200" u="sng" kern="1200" dirty="0">
+                <a:solidFill>
+                  <a:schemeClr val="tx1"/>
+                </a:solidFill>
+                <a:effectLst/>
+                <a:latin typeface="+mn-lt"/>
+                <a:ea typeface="+mn-ea"/>
+                <a:cs typeface="+mn-cs"/>
+              </a:rPr>
+              <a:t>To Hell with Hell. Retrieved from</a:t>
+            </a:r>
+            <a:endParaRPr lang="en-GB" sz="1200" kern="1200" dirty="0">
+              <a:solidFill>
+                <a:schemeClr val="tx1"/>
+              </a:solidFill>
+              <a:effectLst/>
+              <a:latin typeface="+mn-lt"/>
+              <a:ea typeface="+mn-ea"/>
+              <a:cs typeface="+mn-cs"/>
+            </a:endParaRPr>
+          </a:p>
+          <a:p>
+            <a:r>
+              <a:rPr lang="en-US" sz="1200" u="sng" kern="1200" dirty="0">
+                <a:solidFill>
+                  <a:schemeClr val="tx1"/>
+                </a:solidFill>
+                <a:effectLst/>
+                <a:latin typeface="+mn-lt"/>
+                <a:ea typeface="+mn-ea"/>
+                <a:cs typeface="+mn-cs"/>
+                <a:hlinkClick r:id="rId5"/>
+              </a:rPr>
+              <a:t>https://store.steampowered.com/app/860660/To_Hell_with_Hell/</a:t>
+            </a:r>
+            <a:endParaRPr lang="en-GB" sz="1200" kern="1200" dirty="0">
+              <a:solidFill>
+                <a:schemeClr val="tx1"/>
+              </a:solidFill>
+              <a:effectLst/>
+              <a:latin typeface="+mn-lt"/>
+              <a:ea typeface="+mn-ea"/>
+              <a:cs typeface="+mn-cs"/>
+            </a:endParaRPr>
+          </a:p>
+          <a:p>
+            <a:r>
+              <a:rPr lang="en-US" sz="1200" u="none" strike="noStrike" kern="1200" dirty="0">
+                <a:solidFill>
+                  <a:schemeClr val="tx1"/>
+                </a:solidFill>
+                <a:effectLst/>
+                <a:latin typeface="+mn-lt"/>
+                <a:ea typeface="+mn-ea"/>
+                <a:cs typeface="+mn-cs"/>
+              </a:rPr>
+              <a:t> </a:t>
+            </a:r>
+            <a:endParaRPr lang="en-GB" sz="1200" kern="1200" dirty="0">
+              <a:solidFill>
+                <a:schemeClr val="tx1"/>
+              </a:solidFill>
+              <a:effectLst/>
+              <a:latin typeface="+mn-lt"/>
+              <a:ea typeface="+mn-ea"/>
+              <a:cs typeface="+mn-cs"/>
+            </a:endParaRPr>
+          </a:p>
+          <a:p>
+            <a:r>
+              <a:rPr lang="en-US" sz="1200" kern="1200" dirty="0">
+                <a:solidFill>
+                  <a:schemeClr val="tx1"/>
+                </a:solidFill>
+                <a:effectLst/>
+                <a:latin typeface="+mn-lt"/>
+                <a:ea typeface="+mn-ea"/>
+                <a:cs typeface="+mn-cs"/>
+              </a:rPr>
+              <a:t>Enter the </a:t>
+            </a:r>
+            <a:r>
+              <a:rPr lang="en-US" sz="1200" kern="1200" dirty="0" err="1">
+                <a:solidFill>
+                  <a:schemeClr val="tx1"/>
+                </a:solidFill>
+                <a:effectLst/>
+                <a:latin typeface="+mn-lt"/>
+                <a:ea typeface="+mn-ea"/>
+                <a:cs typeface="+mn-cs"/>
+              </a:rPr>
+              <a:t>Gungeon</a:t>
+            </a:r>
+            <a:r>
+              <a:rPr lang="en-US" sz="1200" kern="1200" dirty="0">
+                <a:solidFill>
+                  <a:schemeClr val="tx1"/>
+                </a:solidFill>
+                <a:effectLst/>
+                <a:latin typeface="+mn-lt"/>
+                <a:ea typeface="+mn-ea"/>
+                <a:cs typeface="+mn-cs"/>
+              </a:rPr>
+              <a:t>. Retrieved from </a:t>
+            </a:r>
+            <a:endParaRPr lang="en-GB" sz="1200" kern="1200" dirty="0">
+              <a:solidFill>
+                <a:schemeClr val="tx1"/>
+              </a:solidFill>
+              <a:effectLst/>
+              <a:latin typeface="+mn-lt"/>
+              <a:ea typeface="+mn-ea"/>
+              <a:cs typeface="+mn-cs"/>
+            </a:endParaRPr>
+          </a:p>
+          <a:p>
+            <a:r>
+              <a:rPr lang="en-US" sz="1200" u="sng" kern="1200" dirty="0">
+                <a:solidFill>
+                  <a:schemeClr val="tx1"/>
+                </a:solidFill>
+                <a:effectLst/>
+                <a:latin typeface="+mn-lt"/>
+                <a:ea typeface="+mn-ea"/>
+                <a:cs typeface="+mn-cs"/>
+                <a:hlinkClick r:id="rId6"/>
+              </a:rPr>
+              <a:t>https://store.steampowered.com/app/311690/Enter_the_Gungeon/</a:t>
+            </a:r>
+            <a:endParaRPr lang="en-GB" sz="1200" kern="1200" dirty="0">
+              <a:solidFill>
+                <a:schemeClr val="tx1"/>
+              </a:solidFill>
+              <a:effectLst/>
+              <a:latin typeface="+mn-lt"/>
+              <a:ea typeface="+mn-ea"/>
+              <a:cs typeface="+mn-cs"/>
+            </a:endParaRPr>
+          </a:p>
+          <a:p>
+            <a:r>
+              <a:rPr lang="en-US" sz="1200" kern="1200" dirty="0">
+                <a:solidFill>
+                  <a:schemeClr val="tx1"/>
+                </a:solidFill>
+                <a:effectLst/>
+                <a:latin typeface="+mn-lt"/>
+                <a:ea typeface="+mn-ea"/>
+                <a:cs typeface="+mn-cs"/>
+              </a:rPr>
+              <a:t> </a:t>
+            </a:r>
+            <a:endParaRPr lang="en-GB" sz="1200" kern="1200" dirty="0">
+              <a:solidFill>
+                <a:schemeClr val="tx1"/>
+              </a:solidFill>
+              <a:effectLst/>
+              <a:latin typeface="+mn-lt"/>
+              <a:ea typeface="+mn-ea"/>
+              <a:cs typeface="+mn-cs"/>
+            </a:endParaRPr>
+          </a:p>
+          <a:p>
+            <a:r>
+              <a:rPr lang="en-US" sz="1200" u="sng" kern="1200" dirty="0">
+                <a:solidFill>
+                  <a:schemeClr val="tx1"/>
+                </a:solidFill>
+                <a:effectLst/>
+                <a:latin typeface="+mn-lt"/>
+                <a:ea typeface="+mn-ea"/>
+                <a:cs typeface="+mn-cs"/>
+              </a:rPr>
+              <a:t>Nuclear Throne. Retrieved from </a:t>
+            </a:r>
+            <a:endParaRPr lang="en-GB" sz="1200" kern="1200" dirty="0">
+              <a:solidFill>
+                <a:schemeClr val="tx1"/>
+              </a:solidFill>
+              <a:effectLst/>
+              <a:latin typeface="+mn-lt"/>
+              <a:ea typeface="+mn-ea"/>
+              <a:cs typeface="+mn-cs"/>
+            </a:endParaRPr>
+          </a:p>
+          <a:p>
+            <a:r>
+              <a:rPr lang="en-US" sz="1200" u="sng" kern="1200" dirty="0">
+                <a:solidFill>
+                  <a:schemeClr val="tx1"/>
+                </a:solidFill>
+                <a:effectLst/>
+                <a:latin typeface="+mn-lt"/>
+                <a:ea typeface="+mn-ea"/>
+                <a:cs typeface="+mn-cs"/>
+                <a:hlinkClick r:id="rId7"/>
+              </a:rPr>
+              <a:t>https://store.steampowered.com/app/242680/Nuclear_Throne/</a:t>
+            </a:r>
+            <a:endParaRPr lang="en-GB" sz="1200" kern="1200" dirty="0">
+              <a:solidFill>
+                <a:schemeClr val="tx1"/>
+              </a:solidFill>
+              <a:effectLst/>
+              <a:latin typeface="+mn-lt"/>
+              <a:ea typeface="+mn-ea"/>
+              <a:cs typeface="+mn-cs"/>
+            </a:endParaRPr>
+          </a:p>
+          <a:p>
+            <a:r>
+              <a:rPr lang="en-US" sz="1200" u="none" strike="noStrike" kern="1200" dirty="0">
+                <a:solidFill>
+                  <a:schemeClr val="tx1"/>
+                </a:solidFill>
+                <a:effectLst/>
+                <a:latin typeface="+mn-lt"/>
+                <a:ea typeface="+mn-ea"/>
+                <a:cs typeface="+mn-cs"/>
+              </a:rPr>
+              <a:t> </a:t>
+            </a:r>
+            <a:endParaRPr lang="en-GB" sz="1200" kern="1200" dirty="0">
+              <a:solidFill>
+                <a:schemeClr val="tx1"/>
+              </a:solidFill>
+              <a:effectLst/>
+              <a:latin typeface="+mn-lt"/>
+              <a:ea typeface="+mn-ea"/>
+              <a:cs typeface="+mn-cs"/>
+            </a:endParaRPr>
+          </a:p>
+          <a:p>
+            <a:r>
+              <a:rPr lang="en-US" sz="1200" kern="1200" dirty="0">
+                <a:solidFill>
+                  <a:schemeClr val="tx1"/>
+                </a:solidFill>
+                <a:effectLst/>
+                <a:latin typeface="+mn-lt"/>
+                <a:ea typeface="+mn-ea"/>
+                <a:cs typeface="+mn-cs"/>
+              </a:rPr>
+              <a:t>Tesla vs Lovecraft. Retrieved from</a:t>
+            </a:r>
+            <a:endParaRPr lang="en-GB" sz="1200" kern="1200" dirty="0">
+              <a:solidFill>
+                <a:schemeClr val="tx1"/>
+              </a:solidFill>
+              <a:effectLst/>
+              <a:latin typeface="+mn-lt"/>
+              <a:ea typeface="+mn-ea"/>
+              <a:cs typeface="+mn-cs"/>
+            </a:endParaRPr>
+          </a:p>
+          <a:p>
+            <a:r>
+              <a:rPr lang="en-US" sz="1200" u="sng" kern="1200" dirty="0">
+                <a:solidFill>
+                  <a:schemeClr val="tx1"/>
+                </a:solidFill>
+                <a:effectLst/>
+                <a:latin typeface="+mn-lt"/>
+                <a:ea typeface="+mn-ea"/>
+                <a:cs typeface="+mn-cs"/>
+                <a:hlinkClick r:id="rId8"/>
+              </a:rPr>
+              <a:t>https://store.steampowered.com/app/636100/Tesla_vs_Lovecraft/</a:t>
+            </a:r>
+            <a:endParaRPr lang="en-GB" sz="1200" kern="1200" dirty="0">
+              <a:solidFill>
+                <a:schemeClr val="tx1"/>
+              </a:solidFill>
+              <a:effectLst/>
+              <a:latin typeface="+mn-lt"/>
+              <a:ea typeface="+mn-ea"/>
+              <a:cs typeface="+mn-cs"/>
+            </a:endParaRPr>
+          </a:p>
+          <a:p>
+            <a:r>
+              <a:rPr lang="en-US" sz="1200" kern="1200" dirty="0">
+                <a:solidFill>
+                  <a:schemeClr val="tx1"/>
+                </a:solidFill>
+                <a:effectLst/>
+                <a:latin typeface="+mn-lt"/>
+                <a:ea typeface="+mn-ea"/>
+                <a:cs typeface="+mn-cs"/>
+              </a:rPr>
+              <a:t> </a:t>
+            </a:r>
+            <a:endParaRPr lang="en-GB" sz="1200" kern="1200" dirty="0">
+              <a:solidFill>
+                <a:schemeClr val="tx1"/>
+              </a:solidFill>
+              <a:effectLst/>
+              <a:latin typeface="+mn-lt"/>
+              <a:ea typeface="+mn-ea"/>
+              <a:cs typeface="+mn-cs"/>
+            </a:endParaRPr>
+          </a:p>
+          <a:p>
+            <a:r>
+              <a:rPr lang="en-US" sz="1200" u="sng" kern="1200" dirty="0">
+                <a:solidFill>
+                  <a:schemeClr val="tx1"/>
+                </a:solidFill>
+                <a:effectLst/>
+                <a:latin typeface="+mn-lt"/>
+                <a:ea typeface="+mn-ea"/>
+                <a:cs typeface="+mn-cs"/>
+              </a:rPr>
+              <a:t>Neuro </a:t>
+            </a:r>
+            <a:r>
+              <a:rPr lang="en-US" sz="1200" u="sng" kern="1200" dirty="0" err="1">
+                <a:solidFill>
+                  <a:schemeClr val="tx1"/>
+                </a:solidFill>
+                <a:effectLst/>
+                <a:latin typeface="+mn-lt"/>
+                <a:ea typeface="+mn-ea"/>
+                <a:cs typeface="+mn-cs"/>
+              </a:rPr>
+              <a:t>Voider</a:t>
+            </a:r>
+            <a:r>
+              <a:rPr lang="en-US" sz="1200" u="sng" kern="1200" dirty="0">
+                <a:solidFill>
+                  <a:schemeClr val="tx1"/>
+                </a:solidFill>
+                <a:effectLst/>
+                <a:latin typeface="+mn-lt"/>
+                <a:ea typeface="+mn-ea"/>
+                <a:cs typeface="+mn-cs"/>
+              </a:rPr>
+              <a:t>. Retrieved from </a:t>
+            </a:r>
+            <a:endParaRPr lang="en-GB" sz="1200" kern="1200" dirty="0">
+              <a:solidFill>
+                <a:schemeClr val="tx1"/>
+              </a:solidFill>
+              <a:effectLst/>
+              <a:latin typeface="+mn-lt"/>
+              <a:ea typeface="+mn-ea"/>
+              <a:cs typeface="+mn-cs"/>
+            </a:endParaRPr>
+          </a:p>
+          <a:p>
+            <a:r>
+              <a:rPr lang="en-US" sz="1200" u="sng" kern="1200" dirty="0">
+                <a:solidFill>
+                  <a:schemeClr val="tx1"/>
+                </a:solidFill>
+                <a:effectLst/>
+                <a:latin typeface="+mn-lt"/>
+                <a:ea typeface="+mn-ea"/>
+                <a:cs typeface="+mn-cs"/>
+                <a:hlinkClick r:id="rId9"/>
+              </a:rPr>
+              <a:t>https://store.steampowered.com/app/400450/NeuroVoider/</a:t>
+            </a:r>
+            <a:endParaRPr lang="en-GB" sz="1200" kern="1200" dirty="0">
+              <a:solidFill>
+                <a:schemeClr val="tx1"/>
+              </a:solidFill>
+              <a:effectLst/>
+              <a:latin typeface="+mn-lt"/>
+              <a:ea typeface="+mn-ea"/>
+              <a:cs typeface="+mn-cs"/>
+            </a:endParaRPr>
+          </a:p>
+          <a:p>
+            <a:r>
+              <a:rPr lang="en-US" sz="1200" u="none" strike="noStrike" kern="1200" dirty="0">
+                <a:solidFill>
+                  <a:schemeClr val="tx1"/>
+                </a:solidFill>
+                <a:effectLst/>
+                <a:latin typeface="+mn-lt"/>
+                <a:ea typeface="+mn-ea"/>
+                <a:cs typeface="+mn-cs"/>
+              </a:rPr>
+              <a:t> </a:t>
+            </a:r>
+            <a:endParaRPr lang="en-GB" sz="1200" kern="1200" dirty="0">
+              <a:solidFill>
+                <a:schemeClr val="tx1"/>
+              </a:solidFill>
+              <a:effectLst/>
+              <a:latin typeface="+mn-lt"/>
+              <a:ea typeface="+mn-ea"/>
+              <a:cs typeface="+mn-cs"/>
+            </a:endParaRPr>
+          </a:p>
+          <a:p>
+            <a:r>
+              <a:rPr lang="en-US" sz="1200" kern="1200" dirty="0" err="1">
+                <a:solidFill>
+                  <a:schemeClr val="tx1"/>
+                </a:solidFill>
+                <a:effectLst/>
+                <a:latin typeface="+mn-lt"/>
+                <a:ea typeface="+mn-ea"/>
+                <a:cs typeface="+mn-cs"/>
+              </a:rPr>
+              <a:t>Nex</a:t>
+            </a:r>
+            <a:r>
+              <a:rPr lang="en-US" sz="1200" kern="1200" dirty="0">
+                <a:solidFill>
+                  <a:schemeClr val="tx1"/>
+                </a:solidFill>
+                <a:effectLst/>
+                <a:latin typeface="+mn-lt"/>
+                <a:ea typeface="+mn-ea"/>
+                <a:cs typeface="+mn-cs"/>
+              </a:rPr>
+              <a:t> Machina. Retrieved from </a:t>
+            </a:r>
+            <a:endParaRPr lang="en-GB" sz="1200" kern="1200" dirty="0">
+              <a:solidFill>
+                <a:schemeClr val="tx1"/>
+              </a:solidFill>
+              <a:effectLst/>
+              <a:latin typeface="+mn-lt"/>
+              <a:ea typeface="+mn-ea"/>
+              <a:cs typeface="+mn-cs"/>
+            </a:endParaRPr>
+          </a:p>
+          <a:p>
+            <a:r>
+              <a:rPr lang="en-US" sz="1200" u="sng" kern="1200" dirty="0">
+                <a:solidFill>
+                  <a:schemeClr val="tx1"/>
+                </a:solidFill>
+                <a:effectLst/>
+                <a:latin typeface="+mn-lt"/>
+                <a:ea typeface="+mn-ea"/>
+                <a:cs typeface="+mn-cs"/>
+                <a:hlinkClick r:id="rId10"/>
+              </a:rPr>
+              <a:t>https://store.steampowered.com/app/404540/Nex_Machina/</a:t>
+            </a:r>
+            <a:endParaRPr lang="en-GB" sz="1200" kern="1200" dirty="0">
+              <a:solidFill>
+                <a:schemeClr val="tx1"/>
+              </a:solidFill>
+              <a:effectLst/>
+              <a:latin typeface="+mn-lt"/>
+              <a:ea typeface="+mn-ea"/>
+              <a:cs typeface="+mn-cs"/>
+            </a:endParaRPr>
+          </a:p>
+          <a:p>
+            <a:r>
+              <a:rPr lang="en-US" sz="1200" u="none" strike="noStrike" kern="1200" dirty="0">
+                <a:solidFill>
+                  <a:schemeClr val="tx1"/>
+                </a:solidFill>
+                <a:effectLst/>
+                <a:latin typeface="+mn-lt"/>
+                <a:ea typeface="+mn-ea"/>
+                <a:cs typeface="+mn-cs"/>
+              </a:rPr>
+              <a:t> </a:t>
+            </a:r>
+            <a:endParaRPr lang="en-GB" sz="1200" kern="1200" dirty="0">
+              <a:solidFill>
+                <a:schemeClr val="tx1"/>
+              </a:solidFill>
+              <a:effectLst/>
+              <a:latin typeface="+mn-lt"/>
+              <a:ea typeface="+mn-ea"/>
+              <a:cs typeface="+mn-cs"/>
+            </a:endParaRPr>
+          </a:p>
+          <a:p>
+            <a:r>
+              <a:rPr lang="en-US" sz="1200" kern="1200" dirty="0">
+                <a:solidFill>
+                  <a:schemeClr val="tx1"/>
+                </a:solidFill>
+                <a:effectLst/>
+                <a:latin typeface="+mn-lt"/>
+                <a:ea typeface="+mn-ea"/>
+                <a:cs typeface="+mn-cs"/>
+              </a:rPr>
+              <a:t>Deadbolt. Retrieved from</a:t>
+            </a:r>
+            <a:endParaRPr lang="en-GB" sz="1200" kern="1200" dirty="0">
+              <a:solidFill>
+                <a:schemeClr val="tx1"/>
+              </a:solidFill>
+              <a:effectLst/>
+              <a:latin typeface="+mn-lt"/>
+              <a:ea typeface="+mn-ea"/>
+              <a:cs typeface="+mn-cs"/>
+            </a:endParaRPr>
+          </a:p>
+          <a:p>
+            <a:r>
+              <a:rPr lang="en-US" sz="1200" u="sng" kern="1200" dirty="0">
+                <a:solidFill>
+                  <a:schemeClr val="tx1"/>
+                </a:solidFill>
+                <a:effectLst/>
+                <a:latin typeface="+mn-lt"/>
+                <a:ea typeface="+mn-ea"/>
+                <a:cs typeface="+mn-cs"/>
+                <a:hlinkClick r:id="rId11"/>
+              </a:rPr>
+              <a:t>https://store.steampowered.com/app/394970/DEADBOLT/</a:t>
+            </a:r>
+            <a:endParaRPr lang="en-GB" sz="1200" kern="1200" dirty="0">
+              <a:solidFill>
+                <a:schemeClr val="tx1"/>
+              </a:solidFill>
+              <a:effectLst/>
+              <a:latin typeface="+mn-lt"/>
+              <a:ea typeface="+mn-ea"/>
+              <a:cs typeface="+mn-cs"/>
+            </a:endParaRPr>
+          </a:p>
+          <a:p>
+            <a:r>
+              <a:rPr lang="en-US" sz="1200" u="none" strike="noStrike" kern="1200" dirty="0">
+                <a:solidFill>
+                  <a:schemeClr val="tx1"/>
+                </a:solidFill>
+                <a:effectLst/>
+                <a:latin typeface="+mn-lt"/>
+                <a:ea typeface="+mn-ea"/>
+                <a:cs typeface="+mn-cs"/>
+              </a:rPr>
+              <a:t> </a:t>
+            </a:r>
+            <a:endParaRPr lang="en-GB" sz="1200" kern="1200" dirty="0">
+              <a:solidFill>
+                <a:schemeClr val="tx1"/>
+              </a:solidFill>
+              <a:effectLst/>
+              <a:latin typeface="+mn-lt"/>
+              <a:ea typeface="+mn-ea"/>
+              <a:cs typeface="+mn-cs"/>
+            </a:endParaRPr>
+          </a:p>
+          <a:p>
+            <a:r>
+              <a:rPr lang="nl-NL" sz="1200" kern="1200" dirty="0" err="1">
+                <a:solidFill>
+                  <a:schemeClr val="tx1"/>
+                </a:solidFill>
+                <a:effectLst/>
+                <a:latin typeface="+mn-lt"/>
+                <a:ea typeface="+mn-ea"/>
+                <a:cs typeface="+mn-cs"/>
+              </a:rPr>
+              <a:t>Berzerk</a:t>
+            </a:r>
+            <a:r>
+              <a:rPr lang="nl-NL" sz="1200" kern="1200" dirty="0">
+                <a:solidFill>
+                  <a:schemeClr val="tx1"/>
+                </a:solidFill>
+                <a:effectLst/>
+                <a:latin typeface="+mn-lt"/>
+                <a:ea typeface="+mn-ea"/>
+                <a:cs typeface="+mn-cs"/>
+              </a:rPr>
+              <a:t>. </a:t>
+            </a:r>
+            <a:r>
+              <a:rPr lang="en-GB" sz="1200" kern="1200" dirty="0">
+                <a:solidFill>
+                  <a:schemeClr val="tx1"/>
+                </a:solidFill>
+                <a:effectLst/>
+                <a:latin typeface="+mn-lt"/>
+                <a:ea typeface="+mn-ea"/>
+                <a:cs typeface="+mn-cs"/>
+              </a:rPr>
+              <a:t>Retrieved from </a:t>
+            </a:r>
+          </a:p>
+          <a:p>
+            <a:r>
+              <a:rPr lang="en-GB" sz="1200" u="sng" kern="1200" dirty="0">
+                <a:solidFill>
+                  <a:schemeClr val="tx1"/>
+                </a:solidFill>
+                <a:effectLst/>
+                <a:latin typeface="+mn-lt"/>
+                <a:ea typeface="+mn-ea"/>
+                <a:cs typeface="+mn-cs"/>
+                <a:hlinkClick r:id="rId12"/>
+              </a:rPr>
+              <a:t>https://en.wikipedia.org/wiki/Berzerk_(video_game)</a:t>
+            </a:r>
+            <a:endParaRPr lang="en-GB" sz="1200" kern="1200" dirty="0">
+              <a:solidFill>
+                <a:schemeClr val="tx1"/>
+              </a:solidFill>
+              <a:effectLst/>
+              <a:latin typeface="+mn-lt"/>
+              <a:ea typeface="+mn-ea"/>
+              <a:cs typeface="+mn-cs"/>
+            </a:endParaRPr>
+          </a:p>
+          <a:p>
+            <a:r>
+              <a:rPr lang="en-US" sz="1200" kern="1200" dirty="0">
+                <a:solidFill>
+                  <a:schemeClr val="tx1"/>
+                </a:solidFill>
+                <a:effectLst/>
+                <a:latin typeface="+mn-lt"/>
+                <a:ea typeface="+mn-ea"/>
+                <a:cs typeface="+mn-cs"/>
+              </a:rPr>
+              <a:t> </a:t>
+            </a:r>
+            <a:endParaRPr lang="en-GB" sz="1200" kern="1200" dirty="0">
+              <a:solidFill>
+                <a:schemeClr val="tx1"/>
+              </a:solidFill>
+              <a:effectLst/>
+              <a:latin typeface="+mn-lt"/>
+              <a:ea typeface="+mn-ea"/>
+              <a:cs typeface="+mn-cs"/>
+            </a:endParaRPr>
+          </a:p>
+          <a:p>
+            <a:r>
+              <a:rPr lang="en-GB" sz="1200" kern="1200" dirty="0">
+                <a:solidFill>
+                  <a:schemeClr val="tx1"/>
+                </a:solidFill>
+                <a:effectLst/>
+                <a:latin typeface="+mn-lt"/>
+                <a:ea typeface="+mn-ea"/>
+                <a:cs typeface="+mn-cs"/>
+              </a:rPr>
+              <a:t>Gauntlet. Retrieved from</a:t>
+            </a:r>
+          </a:p>
+          <a:p>
+            <a:r>
+              <a:rPr lang="en-US" sz="1200" u="sng" kern="1200" dirty="0">
+                <a:solidFill>
+                  <a:schemeClr val="tx1"/>
+                </a:solidFill>
+                <a:effectLst/>
+                <a:latin typeface="+mn-lt"/>
+                <a:ea typeface="+mn-ea"/>
+                <a:cs typeface="+mn-cs"/>
+                <a:hlinkClick r:id="rId13"/>
+              </a:rPr>
+              <a:t>https://en.wikipedia.org/wiki/Gauntlet_(1985_video_game)</a:t>
+            </a:r>
+            <a:endParaRPr lang="en-GB" sz="1200" kern="1200" dirty="0">
+              <a:solidFill>
+                <a:schemeClr val="tx1"/>
+              </a:solidFill>
+              <a:effectLst/>
+              <a:latin typeface="+mn-lt"/>
+              <a:ea typeface="+mn-ea"/>
+              <a:cs typeface="+mn-cs"/>
+            </a:endParaRPr>
+          </a:p>
+          <a:p>
+            <a:r>
+              <a:rPr lang="en-US" sz="1200" kern="1200" dirty="0">
+                <a:solidFill>
+                  <a:schemeClr val="tx1"/>
+                </a:solidFill>
+                <a:effectLst/>
+                <a:latin typeface="+mn-lt"/>
+                <a:ea typeface="+mn-ea"/>
+                <a:cs typeface="+mn-cs"/>
+              </a:rPr>
+              <a:t> </a:t>
+            </a:r>
+            <a:endParaRPr lang="en-GB" sz="1200" kern="1200" dirty="0">
+              <a:solidFill>
+                <a:schemeClr val="tx1"/>
+              </a:solidFill>
+              <a:effectLst/>
+              <a:latin typeface="+mn-lt"/>
+              <a:ea typeface="+mn-ea"/>
+              <a:cs typeface="+mn-cs"/>
+            </a:endParaRPr>
+          </a:p>
+          <a:p>
+            <a:r>
+              <a:rPr lang="en-US" sz="1200" kern="1200" dirty="0">
+                <a:solidFill>
+                  <a:schemeClr val="tx1"/>
+                </a:solidFill>
+                <a:effectLst/>
+                <a:latin typeface="+mn-lt"/>
+                <a:ea typeface="+mn-ea"/>
+                <a:cs typeface="+mn-cs"/>
+              </a:rPr>
+              <a:t>Wizard of </a:t>
+            </a:r>
+            <a:r>
+              <a:rPr lang="en-US" sz="1200" kern="1200" dirty="0" err="1">
+                <a:solidFill>
+                  <a:schemeClr val="tx1"/>
+                </a:solidFill>
+                <a:effectLst/>
+                <a:latin typeface="+mn-lt"/>
+                <a:ea typeface="+mn-ea"/>
+                <a:cs typeface="+mn-cs"/>
+              </a:rPr>
+              <a:t>Wor</a:t>
+            </a:r>
+            <a:r>
+              <a:rPr lang="en-US" sz="1200" kern="1200" dirty="0">
+                <a:solidFill>
+                  <a:schemeClr val="tx1"/>
+                </a:solidFill>
+                <a:effectLst/>
+                <a:latin typeface="+mn-lt"/>
+                <a:ea typeface="+mn-ea"/>
+                <a:cs typeface="+mn-cs"/>
+              </a:rPr>
+              <a:t>. Retrieved from</a:t>
+            </a:r>
+            <a:endParaRPr lang="en-GB" sz="1200" kern="1200" dirty="0">
+              <a:solidFill>
+                <a:schemeClr val="tx1"/>
+              </a:solidFill>
+              <a:effectLst/>
+              <a:latin typeface="+mn-lt"/>
+              <a:ea typeface="+mn-ea"/>
+              <a:cs typeface="+mn-cs"/>
+            </a:endParaRPr>
+          </a:p>
+          <a:p>
+            <a:r>
+              <a:rPr lang="en-US" sz="1200" u="sng" kern="1200" dirty="0">
+                <a:solidFill>
+                  <a:schemeClr val="tx1"/>
+                </a:solidFill>
+                <a:effectLst/>
+                <a:latin typeface="+mn-lt"/>
+                <a:ea typeface="+mn-ea"/>
+                <a:cs typeface="+mn-cs"/>
+                <a:hlinkClick r:id="rId14"/>
+              </a:rPr>
+              <a:t>https://en.wikipedia.org/wiki/Wizard_of_Wor</a:t>
+            </a:r>
+            <a:endParaRPr lang="en-GB" sz="1200" kern="1200" dirty="0">
+              <a:solidFill>
+                <a:schemeClr val="tx1"/>
+              </a:solidFill>
+              <a:effectLst/>
+              <a:latin typeface="+mn-lt"/>
+              <a:ea typeface="+mn-ea"/>
+              <a:cs typeface="+mn-cs"/>
+            </a:endParaRPr>
+          </a:p>
+          <a:p>
+            <a:endParaRPr lang="en-GB" dirty="0"/>
+          </a:p>
+        </p:txBody>
+      </p:sp>
+      <p:sp>
+        <p:nvSpPr>
+          <p:cNvPr id="4" name="Slide Number Placeholder 3"/>
+          <p:cNvSpPr>
+            <a:spLocks noGrp="1"/>
+          </p:cNvSpPr>
+          <p:nvPr>
+            <p:ph type="sldNum" sz="quarter" idx="5"/>
+          </p:nvPr>
+        </p:nvSpPr>
+        <p:spPr/>
+        <p:txBody>
+          <a:bodyPr/>
+          <a:lstStyle/>
+          <a:p>
+            <a:fld id="{91A93E66-DEA8-4E8F-9363-186D98DB9659}" type="slidenum">
+              <a:rPr lang="en-GB" smtClean="0"/>
+              <a:t>4</a:t>
+            </a:fld>
+            <a:endParaRPr lang="en-GB"/>
+          </a:p>
+        </p:txBody>
+      </p:sp>
+    </p:spTree>
+    <p:extLst>
+      <p:ext uri="{BB962C8B-B14F-4D97-AF65-F5344CB8AC3E}">
+        <p14:creationId xmlns:p14="http://schemas.microsoft.com/office/powerpoint/2010/main" val="647256321"/>
+      </p:ext>
+    </p:extLst>
+  </p:cSld>
+  <p:clrMapOvr>
+    <a:masterClrMapping/>
+  </p:clrMapOvr>
+</p:notes>
 </file>
 
 <file path=ppt/slideLayouts/slideLayout1.xml><?xml version="1.0" encoding="utf-8"?>
@@ -384,7 +1711,7 @@
             <a:fld id="{4FAB73BC-B049-4115-A692-8D63A059BFB8}" type="slidenum">
               <a:rPr lang="en-US" dirty="0"/>
               <a:pPr/>
-              <a:t>‹nr.›</a:t>
+              <a:t>‹#›</a:t>
             </a:fld>
             <a:endParaRPr lang="en-US" dirty="0"/>
           </a:p>
@@ -551,7 +1878,7 @@
             <a:fld id="{4FAB73BC-B049-4115-A692-8D63A059BFB8}" type="slidenum">
               <a:rPr lang="en-US" dirty="0"/>
               <a:pPr/>
-              <a:t>‹nr.›</a:t>
+              <a:t>‹#›</a:t>
             </a:fld>
             <a:endParaRPr lang="en-US" dirty="0"/>
           </a:p>
@@ -728,7 +2055,7 @@
             <a:fld id="{4FAB73BC-B049-4115-A692-8D63A059BFB8}" type="slidenum">
               <a:rPr lang="en-US" dirty="0"/>
               <a:pPr/>
-              <a:t>‹nr.›</a:t>
+              <a:t>‹#›</a:t>
             </a:fld>
             <a:endParaRPr lang="en-US" dirty="0"/>
           </a:p>
@@ -895,7 +2222,7 @@
             <a:fld id="{4FAB73BC-B049-4115-A692-8D63A059BFB8}" type="slidenum">
               <a:rPr lang="en-US" dirty="0"/>
               <a:pPr/>
-              <a:t>‹nr.›</a:t>
+              <a:t>‹#›</a:t>
             </a:fld>
             <a:endParaRPr lang="en-US" dirty="0"/>
           </a:p>
@@ -1150,7 +2477,7 @@
             <a:fld id="{4FAB73BC-B049-4115-A692-8D63A059BFB8}" type="slidenum">
               <a:rPr lang="en-US" dirty="0"/>
               <a:pPr/>
-              <a:t>‹nr.›</a:t>
+              <a:t>‹#›</a:t>
             </a:fld>
             <a:endParaRPr lang="en-US" dirty="0"/>
           </a:p>
@@ -1435,7 +2762,7 @@
             <a:fld id="{4FAB73BC-B049-4115-A692-8D63A059BFB8}" type="slidenum">
               <a:rPr lang="en-US" dirty="0"/>
               <a:pPr/>
-              <a:t>‹nr.›</a:t>
+              <a:t>‹#›</a:t>
             </a:fld>
             <a:endParaRPr lang="en-US" dirty="0"/>
           </a:p>
@@ -1874,7 +3201,7 @@
             <a:fld id="{4FAB73BC-B049-4115-A692-8D63A059BFB8}" type="slidenum">
               <a:rPr lang="en-US" dirty="0"/>
               <a:pPr/>
-              <a:t>‹nr.›</a:t>
+              <a:t>‹#›</a:t>
             </a:fld>
             <a:endParaRPr lang="en-US" dirty="0"/>
           </a:p>
@@ -1989,7 +3316,7 @@
             <a:fld id="{4FAB73BC-B049-4115-A692-8D63A059BFB8}" type="slidenum">
               <a:rPr lang="en-US" dirty="0"/>
               <a:pPr/>
-              <a:t>‹nr.›</a:t>
+              <a:t>‹#›</a:t>
             </a:fld>
             <a:endParaRPr lang="en-US" dirty="0"/>
           </a:p>
@@ -2081,7 +3408,7 @@
             <a:fld id="{4FAB73BC-B049-4115-A692-8D63A059BFB8}" type="slidenum">
               <a:rPr lang="en-US" dirty="0"/>
               <a:pPr/>
-              <a:t>‹nr.›</a:t>
+              <a:t>‹#›</a:t>
             </a:fld>
             <a:endParaRPr lang="en-US" dirty="0"/>
           </a:p>
@@ -2366,7 +3693,7 @@
             <a:fld id="{4FAB73BC-B049-4115-A692-8D63A059BFB8}" type="slidenum">
               <a:rPr lang="en-US" dirty="0"/>
               <a:pPr/>
-              <a:t>‹nr.›</a:t>
+              <a:t>‹#›</a:t>
             </a:fld>
             <a:endParaRPr lang="en-US" dirty="0"/>
           </a:p>
@@ -2642,7 +3969,7 @@
             <a:fld id="{4FAB73BC-B049-4115-A692-8D63A059BFB8}" type="slidenum">
               <a:rPr lang="en-US" dirty="0"/>
               <a:pPr/>
-              <a:t>‹nr.›</a:t>
+              <a:t>‹#›</a:t>
             </a:fld>
             <a:endParaRPr lang="en-US" dirty="0"/>
           </a:p>
@@ -2968,7 +4295,7 @@
             <a:fld id="{4FAB73BC-B049-4115-A692-8D63A059BFB8}" type="slidenum">
               <a:rPr lang="en-US" dirty="0"/>
               <a:pPr/>
-              <a:t>‹nr.›</a:t>
+              <a:t>‹#›</a:t>
             </a:fld>
             <a:endParaRPr lang="en-US" dirty="0"/>
           </a:p>
@@ -3713,7 +5040,14 @@
           <a:p>
             <a:r>
               <a:rPr lang="en-GB" dirty="0"/>
-              <a:t>Value Proposition</a:t>
+              <a:t>Value Proposition:</a:t>
+            </a:r>
+            <a:br>
+              <a:rPr lang="en-GB" dirty="0"/>
+            </a:br>
+            <a:r>
+              <a:rPr lang="en-GB" dirty="0"/>
+              <a:t>Shoot the brute, get the girl.</a:t>
             </a:r>
           </a:p>
           <a:p>
@@ -3721,18 +5055,114 @@
           </a:p>
           <a:p>
             <a:r>
+              <a:rPr lang="en-US" dirty="0"/>
+              <a:t>C</a:t>
+            </a:r>
+            <a:r>
+              <a:rPr lang="en-GB" dirty="0" err="1"/>
+              <a:t>ompetitor</a:t>
+            </a:r>
+            <a:r>
               <a:rPr lang="en-GB" dirty="0"/>
-              <a:t>Research Questions</a:t>
-            </a:r>
-          </a:p>
-          <a:p>
-            <a:pPr marL="0" indent="0">
-              <a:buNone/>
-            </a:pPr>
-            <a:endParaRPr lang="en-GB" dirty="0"/>
-          </a:p>
-        </p:txBody>
-      </p:sp>
+              <a:t> Analysis</a:t>
+            </a:r>
+          </a:p>
+        </p:txBody>
+      </p:sp>
+      <p:pic>
+        <p:nvPicPr>
+          <p:cNvPr id="2050" name="Picture 2" descr="Afbeeldingsresultaat voor arcade">
+            <a:extLst>
+              <a:ext uri="{FF2B5EF4-FFF2-40B4-BE49-F238E27FC236}">
+                <a16:creationId xmlns:a16="http://schemas.microsoft.com/office/drawing/2014/main" id="{D9AD0946-14B2-410F-A0FB-6449F778EFB7}"/>
+              </a:ext>
+            </a:extLst>
+          </p:cNvPr>
+          <p:cNvPicPr>
+            <a:picLocks noChangeAspect="1" noChangeArrowheads="1"/>
+          </p:cNvPicPr>
+          <p:nvPr/>
+        </p:nvPicPr>
+        <p:blipFill>
+          <a:blip r:embed="rId2">
+            <a:extLst>
+              <a:ext uri="{28A0092B-C50C-407E-A947-70E740481C1C}">
+                <a14:useLocalDpi xmlns:a14="http://schemas.microsoft.com/office/drawing/2010/main" val="0"/>
+              </a:ext>
+            </a:extLst>
+          </a:blip>
+          <a:srcRect/>
+          <a:stretch>
+            <a:fillRect/>
+          </a:stretch>
+        </p:blipFill>
+        <p:spPr bwMode="auto">
+          <a:xfrm>
+            <a:off x="8096434" y="0"/>
+            <a:ext cx="4095565" cy="2559728"/>
+          </a:xfrm>
+          <a:prstGeom prst="rect">
+            <a:avLst/>
+          </a:prstGeom>
+          <a:noFill/>
+          <a:extLst>
+            <a:ext uri="{909E8E84-426E-40DD-AFC4-6F175D3DCCD1}">
+              <a14:hiddenFill xmlns:a14="http://schemas.microsoft.com/office/drawing/2010/main">
+                <a:solidFill>
+                  <a:srgbClr val="FFFFFF"/>
+                </a:solidFill>
+              </a14:hiddenFill>
+            </a:ext>
+          </a:extLst>
+        </p:spPr>
+      </p:pic>
+      <p:pic>
+        <p:nvPicPr>
+          <p:cNvPr id="3074" name="Picture 2" descr="Afbeeldingsresultaat voor save the world get the girl">
+            <a:extLst>
+              <a:ext uri="{FF2B5EF4-FFF2-40B4-BE49-F238E27FC236}">
+                <a16:creationId xmlns:a16="http://schemas.microsoft.com/office/drawing/2014/main" id="{0A417CA5-1B7F-4DFE-BA02-CDCC80D39749}"/>
+              </a:ext>
+            </a:extLst>
+          </p:cNvPr>
+          <p:cNvPicPr>
+            <a:picLocks noChangeAspect="1" noChangeArrowheads="1"/>
+          </p:cNvPicPr>
+          <p:nvPr/>
+        </p:nvPicPr>
+        <p:blipFill>
+          <a:blip r:embed="rId3">
+            <a:extLst>
+              <a:ext uri="{28A0092B-C50C-407E-A947-70E740481C1C}">
+                <a14:useLocalDpi xmlns:a14="http://schemas.microsoft.com/office/drawing/2010/main" val="0"/>
+              </a:ext>
+            </a:extLst>
+          </a:blip>
+          <a:srcRect/>
+          <a:stretch>
+            <a:fillRect/>
+          </a:stretch>
+        </p:blipFill>
+        <p:spPr bwMode="auto">
+          <a:xfrm>
+            <a:off x="8096434" y="2559728"/>
+            <a:ext cx="4095566" cy="4095566"/>
+          </a:xfrm>
+          <a:prstGeom prst="rect">
+            <a:avLst/>
+          </a:prstGeom>
+          <a:noFill/>
+          <a:extLst>
+            <a:ext uri="{909E8E84-426E-40DD-AFC4-6F175D3DCCD1}">
+              <a14:hiddenFill xmlns:a14="http://schemas.microsoft.com/office/drawing/2010/main">
+                <a:solidFill>
+                  <a:srgbClr val="FFFFFF"/>
+                </a:solidFill>
+              </a14:hiddenFill>
+            </a:ext>
+          </a:extLst>
+        </p:spPr>
+      </p:pic>
     </p:spTree>
     <p:extLst>
       <p:ext uri="{BB962C8B-B14F-4D97-AF65-F5344CB8AC3E}">
@@ -3779,7 +5209,12 @@
             <p:ph type="title"/>
           </p:nvPr>
         </p:nvSpPr>
-        <p:spPr/>
+        <p:spPr>
+          <a:xfrm>
+            <a:off x="42270" y="1128408"/>
+            <a:ext cx="2947482" cy="4601183"/>
+          </a:xfrm>
+        </p:spPr>
         <p:txBody>
           <a:bodyPr/>
           <a:lstStyle/>
@@ -3792,31 +5227,476 @@
           </a:p>
         </p:txBody>
       </p:sp>
-      <p:sp>
-        <p:nvSpPr>
-          <p:cNvPr id="3" name="Tijdelijke aanduiding voor inhoud 2">
+      <p:pic>
+        <p:nvPicPr>
+          <p:cNvPr id="1026" name="Picture 2" descr="Afbeeldingsresultaat voor to hell with hell">
             <a:extLst>
               <a:ext uri="{FF2B5EF4-FFF2-40B4-BE49-F238E27FC236}">
-                <a16:creationId xmlns:a16="http://schemas.microsoft.com/office/drawing/2014/main" id="{83F154F6-EA0E-44B6-9DFA-A5FB013CD5AA}"/>
+                <a16:creationId xmlns:a16="http://schemas.microsoft.com/office/drawing/2014/main" id="{5FDB5C4C-46C5-40E6-92CF-2ACB7198D6E0}"/>
               </a:ext>
             </a:extLst>
           </p:cNvPr>
-          <p:cNvSpPr>
-            <a:spLocks noGrp="1"/>
-          </p:cNvSpPr>
-          <p:nvPr>
-            <p:ph idx="1"/>
-          </p:nvPr>
-        </p:nvSpPr>
-        <p:spPr/>
-        <p:txBody>
-          <a:bodyPr/>
-          <a:lstStyle/>
-          <a:p>
-            <a:endParaRPr lang="en-NL"/>
-          </a:p>
-        </p:txBody>
-      </p:sp>
+          <p:cNvPicPr>
+            <a:picLocks noChangeAspect="1" noChangeArrowheads="1"/>
+          </p:cNvPicPr>
+          <p:nvPr/>
+        </p:nvPicPr>
+        <p:blipFill>
+          <a:blip r:embed="rId3">
+            <a:extLst>
+              <a:ext uri="{28A0092B-C50C-407E-A947-70E740481C1C}">
+                <a14:useLocalDpi xmlns:a14="http://schemas.microsoft.com/office/drawing/2010/main" val="0"/>
+              </a:ext>
+            </a:extLst>
+          </a:blip>
+          <a:srcRect/>
+          <a:stretch>
+            <a:fillRect/>
+          </a:stretch>
+        </p:blipFill>
+        <p:spPr bwMode="auto">
+          <a:xfrm>
+            <a:off x="7810500" y="0"/>
+            <a:ext cx="4381500" cy="2047875"/>
+          </a:xfrm>
+          <a:prstGeom prst="rect">
+            <a:avLst/>
+          </a:prstGeom>
+          <a:noFill/>
+          <a:extLst>
+            <a:ext uri="{909E8E84-426E-40DD-AFC4-6F175D3DCCD1}">
+              <a14:hiddenFill xmlns:a14="http://schemas.microsoft.com/office/drawing/2010/main">
+                <a:solidFill>
+                  <a:srgbClr val="FFFFFF"/>
+                </a:solidFill>
+              </a14:hiddenFill>
+            </a:ext>
+          </a:extLst>
+        </p:spPr>
+      </p:pic>
+      <p:pic>
+        <p:nvPicPr>
+          <p:cNvPr id="1030" name="Picture 6" descr="Gerelateerde afbeelding">
+            <a:extLst>
+              <a:ext uri="{FF2B5EF4-FFF2-40B4-BE49-F238E27FC236}">
+                <a16:creationId xmlns:a16="http://schemas.microsoft.com/office/drawing/2014/main" id="{DB5BA9C4-9BA5-4742-8997-9533B48F820B}"/>
+              </a:ext>
+            </a:extLst>
+          </p:cNvPr>
+          <p:cNvPicPr>
+            <a:picLocks noChangeAspect="1" noChangeArrowheads="1"/>
+          </p:cNvPicPr>
+          <p:nvPr/>
+        </p:nvPicPr>
+        <p:blipFill>
+          <a:blip r:embed="rId4">
+            <a:extLst>
+              <a:ext uri="{28A0092B-C50C-407E-A947-70E740481C1C}">
+                <a14:useLocalDpi xmlns:a14="http://schemas.microsoft.com/office/drawing/2010/main" val="0"/>
+              </a:ext>
+            </a:extLst>
+          </a:blip>
+          <a:srcRect/>
+          <a:stretch>
+            <a:fillRect/>
+          </a:stretch>
+        </p:blipFill>
+        <p:spPr bwMode="auto">
+          <a:xfrm>
+            <a:off x="3584153" y="-51481"/>
+            <a:ext cx="4226344" cy="2113172"/>
+          </a:xfrm>
+          <a:prstGeom prst="rect">
+            <a:avLst/>
+          </a:prstGeom>
+          <a:noFill/>
+          <a:extLst>
+            <a:ext uri="{909E8E84-426E-40DD-AFC4-6F175D3DCCD1}">
+              <a14:hiddenFill xmlns:a14="http://schemas.microsoft.com/office/drawing/2010/main">
+                <a:solidFill>
+                  <a:srgbClr val="FFFFFF"/>
+                </a:solidFill>
+              </a14:hiddenFill>
+            </a:ext>
+          </a:extLst>
+        </p:spPr>
+      </p:pic>
+      <p:pic>
+        <p:nvPicPr>
+          <p:cNvPr id="1034" name="Picture 10" descr="Afbeeldingsresultaat voor Nuclear Throne">
+            <a:extLst>
+              <a:ext uri="{FF2B5EF4-FFF2-40B4-BE49-F238E27FC236}">
+                <a16:creationId xmlns:a16="http://schemas.microsoft.com/office/drawing/2014/main" id="{E5DFF861-BEFD-4FB5-BBF4-10C314515CAA}"/>
+              </a:ext>
+            </a:extLst>
+          </p:cNvPr>
+          <p:cNvPicPr>
+            <a:picLocks noChangeAspect="1" noChangeArrowheads="1"/>
+          </p:cNvPicPr>
+          <p:nvPr/>
+        </p:nvPicPr>
+        <p:blipFill>
+          <a:blip r:embed="rId5">
+            <a:extLst>
+              <a:ext uri="{28A0092B-C50C-407E-A947-70E740481C1C}">
+                <a14:useLocalDpi xmlns:a14="http://schemas.microsoft.com/office/drawing/2010/main" val="0"/>
+              </a:ext>
+            </a:extLst>
+          </a:blip>
+          <a:srcRect/>
+          <a:stretch>
+            <a:fillRect/>
+          </a:stretch>
+        </p:blipFill>
+        <p:spPr bwMode="auto">
+          <a:xfrm>
+            <a:off x="3580760" y="2056481"/>
+            <a:ext cx="4363730" cy="2500644"/>
+          </a:xfrm>
+          <a:prstGeom prst="rect">
+            <a:avLst/>
+          </a:prstGeom>
+          <a:noFill/>
+          <a:extLst>
+            <a:ext uri="{909E8E84-426E-40DD-AFC4-6F175D3DCCD1}">
+              <a14:hiddenFill xmlns:a14="http://schemas.microsoft.com/office/drawing/2010/main">
+                <a:solidFill>
+                  <a:srgbClr val="FFFFFF"/>
+                </a:solidFill>
+              </a14:hiddenFill>
+            </a:ext>
+          </a:extLst>
+        </p:spPr>
+      </p:pic>
+      <p:pic>
+        <p:nvPicPr>
+          <p:cNvPr id="1036" name="Picture 12" descr="Afbeeldingsresultaat voor neurovoider">
+            <a:extLst>
+              <a:ext uri="{FF2B5EF4-FFF2-40B4-BE49-F238E27FC236}">
+                <a16:creationId xmlns:a16="http://schemas.microsoft.com/office/drawing/2014/main" id="{A2825482-468A-4113-AEA7-168F34E5E67A}"/>
+              </a:ext>
+            </a:extLst>
+          </p:cNvPr>
+          <p:cNvPicPr>
+            <a:picLocks noChangeAspect="1" noChangeArrowheads="1"/>
+          </p:cNvPicPr>
+          <p:nvPr/>
+        </p:nvPicPr>
+        <p:blipFill>
+          <a:blip r:embed="rId6">
+            <a:extLst>
+              <a:ext uri="{28A0092B-C50C-407E-A947-70E740481C1C}">
+                <a14:useLocalDpi xmlns:a14="http://schemas.microsoft.com/office/drawing/2010/main" val="0"/>
+              </a:ext>
+            </a:extLst>
+          </a:blip>
+          <a:srcRect/>
+          <a:stretch>
+            <a:fillRect/>
+          </a:stretch>
+        </p:blipFill>
+        <p:spPr bwMode="auto">
+          <a:xfrm>
+            <a:off x="9901848" y="4558704"/>
+            <a:ext cx="2290152" cy="2290152"/>
+          </a:xfrm>
+          <a:prstGeom prst="rect">
+            <a:avLst/>
+          </a:prstGeom>
+          <a:noFill/>
+          <a:extLst>
+            <a:ext uri="{909E8E84-426E-40DD-AFC4-6F175D3DCCD1}">
+              <a14:hiddenFill xmlns:a14="http://schemas.microsoft.com/office/drawing/2010/main">
+                <a:solidFill>
+                  <a:srgbClr val="FFFFFF"/>
+                </a:solidFill>
+              </a14:hiddenFill>
+            </a:ext>
+          </a:extLst>
+        </p:spPr>
+      </p:pic>
+      <p:pic>
+        <p:nvPicPr>
+          <p:cNvPr id="1040" name="Picture 16" descr="Afbeeldingsresultaat voor nex machina">
+            <a:extLst>
+              <a:ext uri="{FF2B5EF4-FFF2-40B4-BE49-F238E27FC236}">
+                <a16:creationId xmlns:a16="http://schemas.microsoft.com/office/drawing/2014/main" id="{F97B7EBB-22E3-4C83-9354-AA7F09E141FC}"/>
+              </a:ext>
+            </a:extLst>
+          </p:cNvPr>
+          <p:cNvPicPr>
+            <a:picLocks noChangeAspect="1" noChangeArrowheads="1"/>
+          </p:cNvPicPr>
+          <p:nvPr/>
+        </p:nvPicPr>
+        <p:blipFill>
+          <a:blip r:embed="rId7">
+            <a:extLst>
+              <a:ext uri="{28A0092B-C50C-407E-A947-70E740481C1C}">
+                <a14:useLocalDpi xmlns:a14="http://schemas.microsoft.com/office/drawing/2010/main" val="0"/>
+              </a:ext>
+            </a:extLst>
+          </a:blip>
+          <a:srcRect/>
+          <a:stretch>
+            <a:fillRect/>
+          </a:stretch>
+        </p:blipFill>
+        <p:spPr bwMode="auto">
+          <a:xfrm>
+            <a:off x="5762625" y="4521038"/>
+            <a:ext cx="4139634" cy="2327818"/>
+          </a:xfrm>
+          <a:prstGeom prst="rect">
+            <a:avLst/>
+          </a:prstGeom>
+          <a:noFill/>
+          <a:extLst>
+            <a:ext uri="{909E8E84-426E-40DD-AFC4-6F175D3DCCD1}">
+              <a14:hiddenFill xmlns:a14="http://schemas.microsoft.com/office/drawing/2010/main">
+                <a:solidFill>
+                  <a:srgbClr val="FFFFFF"/>
+                </a:solidFill>
+              </a14:hiddenFill>
+            </a:ext>
+          </a:extLst>
+        </p:spPr>
+      </p:pic>
+      <p:pic>
+        <p:nvPicPr>
+          <p:cNvPr id="1042" name="Picture 18" descr="Afbeeldingsresultaat voor deadbolt game">
+            <a:extLst>
+              <a:ext uri="{FF2B5EF4-FFF2-40B4-BE49-F238E27FC236}">
+                <a16:creationId xmlns:a16="http://schemas.microsoft.com/office/drawing/2014/main" id="{96557521-E3B9-41A8-8554-19D83753DCBE}"/>
+              </a:ext>
+            </a:extLst>
+          </p:cNvPr>
+          <p:cNvPicPr>
+            <a:picLocks noChangeAspect="1" noChangeArrowheads="1"/>
+          </p:cNvPicPr>
+          <p:nvPr/>
+        </p:nvPicPr>
+        <p:blipFill>
+          <a:blip r:embed="rId8">
+            <a:extLst>
+              <a:ext uri="{28A0092B-C50C-407E-A947-70E740481C1C}">
+                <a14:useLocalDpi xmlns:a14="http://schemas.microsoft.com/office/drawing/2010/main" val="0"/>
+              </a:ext>
+            </a:extLst>
+          </a:blip>
+          <a:srcRect/>
+          <a:stretch>
+            <a:fillRect/>
+          </a:stretch>
+        </p:blipFill>
+        <p:spPr bwMode="auto">
+          <a:xfrm>
+            <a:off x="1452629" y="4424483"/>
+            <a:ext cx="4309996" cy="2424373"/>
+          </a:xfrm>
+          <a:prstGeom prst="rect">
+            <a:avLst/>
+          </a:prstGeom>
+          <a:noFill/>
+          <a:extLst>
+            <a:ext uri="{909E8E84-426E-40DD-AFC4-6F175D3DCCD1}">
+              <a14:hiddenFill xmlns:a14="http://schemas.microsoft.com/office/drawing/2010/main">
+                <a:solidFill>
+                  <a:srgbClr val="FFFFFF"/>
+                </a:solidFill>
+              </a14:hiddenFill>
+            </a:ext>
+          </a:extLst>
+        </p:spPr>
+      </p:pic>
+      <p:pic>
+        <p:nvPicPr>
+          <p:cNvPr id="1044" name="Picture 20" descr="Afbeeldingsresultaat voor berzerk game">
+            <a:extLst>
+              <a:ext uri="{FF2B5EF4-FFF2-40B4-BE49-F238E27FC236}">
+                <a16:creationId xmlns:a16="http://schemas.microsoft.com/office/drawing/2014/main" id="{A5E5B032-51EE-4562-95F9-9B35D12AC956}"/>
+              </a:ext>
+            </a:extLst>
+          </p:cNvPr>
+          <p:cNvPicPr>
+            <a:picLocks noChangeAspect="1" noChangeArrowheads="1"/>
+          </p:cNvPicPr>
+          <p:nvPr/>
+        </p:nvPicPr>
+        <p:blipFill>
+          <a:blip r:embed="rId9">
+            <a:extLst>
+              <a:ext uri="{28A0092B-C50C-407E-A947-70E740481C1C}">
+                <a14:useLocalDpi xmlns:a14="http://schemas.microsoft.com/office/drawing/2010/main" val="0"/>
+              </a:ext>
+            </a:extLst>
+          </a:blip>
+          <a:srcRect/>
+          <a:stretch>
+            <a:fillRect/>
+          </a:stretch>
+        </p:blipFill>
+        <p:spPr bwMode="auto">
+          <a:xfrm>
+            <a:off x="1484361" y="-16959"/>
+            <a:ext cx="2095500" cy="2724150"/>
+          </a:xfrm>
+          <a:prstGeom prst="rect">
+            <a:avLst/>
+          </a:prstGeom>
+          <a:noFill/>
+          <a:extLst>
+            <a:ext uri="{909E8E84-426E-40DD-AFC4-6F175D3DCCD1}">
+              <a14:hiddenFill xmlns:a14="http://schemas.microsoft.com/office/drawing/2010/main">
+                <a:solidFill>
+                  <a:srgbClr val="FFFFFF"/>
+                </a:solidFill>
+              </a14:hiddenFill>
+            </a:ext>
+          </a:extLst>
+        </p:spPr>
+      </p:pic>
+      <p:pic>
+        <p:nvPicPr>
+          <p:cNvPr id="1046" name="Picture 22" descr="Afbeeldingsresultaat voor gauntlet arcade game">
+            <a:extLst>
+              <a:ext uri="{FF2B5EF4-FFF2-40B4-BE49-F238E27FC236}">
+                <a16:creationId xmlns:a16="http://schemas.microsoft.com/office/drawing/2014/main" id="{927DC5F6-C595-47A8-A184-CDF3BC276E3D}"/>
+              </a:ext>
+            </a:extLst>
+          </p:cNvPr>
+          <p:cNvPicPr>
+            <a:picLocks noChangeAspect="1" noChangeArrowheads="1"/>
+          </p:cNvPicPr>
+          <p:nvPr/>
+        </p:nvPicPr>
+        <p:blipFill>
+          <a:blip r:embed="rId10">
+            <a:extLst>
+              <a:ext uri="{28A0092B-C50C-407E-A947-70E740481C1C}">
+                <a14:useLocalDpi xmlns:a14="http://schemas.microsoft.com/office/drawing/2010/main" val="0"/>
+              </a:ext>
+            </a:extLst>
+          </a:blip>
+          <a:srcRect/>
+          <a:stretch>
+            <a:fillRect/>
+          </a:stretch>
+        </p:blipFill>
+        <p:spPr bwMode="auto">
+          <a:xfrm>
+            <a:off x="2285561" y="1768313"/>
+            <a:ext cx="2114550" cy="2752725"/>
+          </a:xfrm>
+          <a:prstGeom prst="rect">
+            <a:avLst/>
+          </a:prstGeom>
+          <a:noFill/>
+          <a:extLst>
+            <a:ext uri="{909E8E84-426E-40DD-AFC4-6F175D3DCCD1}">
+              <a14:hiddenFill xmlns:a14="http://schemas.microsoft.com/office/drawing/2010/main">
+                <a:solidFill>
+                  <a:srgbClr val="FFFFFF"/>
+                </a:solidFill>
+              </a14:hiddenFill>
+            </a:ext>
+          </a:extLst>
+        </p:spPr>
+      </p:pic>
+      <p:pic>
+        <p:nvPicPr>
+          <p:cNvPr id="1048" name="Picture 24" descr="Afbeeldingsresultaat voor wizard of wor">
+            <a:extLst>
+              <a:ext uri="{FF2B5EF4-FFF2-40B4-BE49-F238E27FC236}">
+                <a16:creationId xmlns:a16="http://schemas.microsoft.com/office/drawing/2014/main" id="{F4FCAE8C-EED3-4FB9-9A72-CBFE61E8901C}"/>
+              </a:ext>
+            </a:extLst>
+          </p:cNvPr>
+          <p:cNvPicPr>
+            <a:picLocks noChangeAspect="1" noChangeArrowheads="1"/>
+          </p:cNvPicPr>
+          <p:nvPr/>
+        </p:nvPicPr>
+        <p:blipFill>
+          <a:blip r:embed="rId11">
+            <a:extLst>
+              <a:ext uri="{28A0092B-C50C-407E-A947-70E740481C1C}">
+                <a14:useLocalDpi xmlns:a14="http://schemas.microsoft.com/office/drawing/2010/main" val="0"/>
+              </a:ext>
+            </a:extLst>
+          </a:blip>
+          <a:srcRect/>
+          <a:stretch>
+            <a:fillRect/>
+          </a:stretch>
+        </p:blipFill>
+        <p:spPr bwMode="auto">
+          <a:xfrm>
+            <a:off x="0" y="5234905"/>
+            <a:ext cx="2619376" cy="1964532"/>
+          </a:xfrm>
+          <a:prstGeom prst="rect">
+            <a:avLst/>
+          </a:prstGeom>
+          <a:noFill/>
+          <a:extLst>
+            <a:ext uri="{909E8E84-426E-40DD-AFC4-6F175D3DCCD1}">
+              <a14:hiddenFill xmlns:a14="http://schemas.microsoft.com/office/drawing/2010/main">
+                <a:solidFill>
+                  <a:srgbClr val="FFFFFF"/>
+                </a:solidFill>
+              </a14:hiddenFill>
+            </a:ext>
+          </a:extLst>
+        </p:spPr>
+      </p:pic>
+      <p:pic>
+        <p:nvPicPr>
+          <p:cNvPr id="3" name="Picture 2" descr="Afbeeldingsresultaat voor Tesla v Lovecraft">
+            <a:extLst>
+              <a:ext uri="{FF2B5EF4-FFF2-40B4-BE49-F238E27FC236}">
+                <a16:creationId xmlns:a16="http://schemas.microsoft.com/office/drawing/2014/main" id="{61ADE621-F197-43AE-8E31-EDD431427A7A}"/>
+              </a:ext>
+            </a:extLst>
+          </p:cNvPr>
+          <p:cNvPicPr>
+            <a:picLocks noChangeAspect="1" noChangeArrowheads="1"/>
+          </p:cNvPicPr>
+          <p:nvPr/>
+        </p:nvPicPr>
+        <p:blipFill>
+          <a:blip r:embed="rId12">
+            <a:extLst>
+              <a:ext uri="{28A0092B-C50C-407E-A947-70E740481C1C}">
+                <a14:useLocalDpi xmlns:a14="http://schemas.microsoft.com/office/drawing/2010/main" val="0"/>
+              </a:ext>
+            </a:extLst>
+          </a:blip>
+          <a:srcRect/>
+          <a:stretch>
+            <a:fillRect/>
+          </a:stretch>
+        </p:blipFill>
+        <p:spPr bwMode="auto">
+          <a:xfrm>
+            <a:off x="7768229" y="2047875"/>
+            <a:ext cx="5261859" cy="2459347"/>
+          </a:xfrm>
+          <a:prstGeom prst="rect">
+            <a:avLst/>
+          </a:prstGeom>
+          <a:noFill/>
+          <a:extLst>
+            <a:ext uri="{909E8E84-426E-40DD-AFC4-6F175D3DCCD1}">
+              <a14:hiddenFill xmlns:a14="http://schemas.microsoft.com/office/drawing/2010/main">
+                <a:solidFill>
+                  <a:srgbClr val="FFFFFF"/>
+                </a:solidFill>
+              </a14:hiddenFill>
+            </a:ext>
+          </a:extLst>
+        </p:spPr>
+      </p:pic>
     </p:spTree>
     <p:extLst>
       <p:ext uri="{BB962C8B-B14F-4D97-AF65-F5344CB8AC3E}">
@@ -3847,6 +5727,53 @@
           <a:chExt cx="0" cy="0"/>
         </a:xfrm>
       </p:grpSpPr>
+      <p:pic>
+        <p:nvPicPr>
+          <p:cNvPr id="2066" name="Picture 18" descr="Afbeeldingsresultaat voor enter the gungeon">
+            <a:extLst>
+              <a:ext uri="{FF2B5EF4-FFF2-40B4-BE49-F238E27FC236}">
+                <a16:creationId xmlns:a16="http://schemas.microsoft.com/office/drawing/2014/main" id="{C42E0A57-8719-44C8-BB5E-DE9497D00BAB}"/>
+              </a:ext>
+            </a:extLst>
+          </p:cNvPr>
+          <p:cNvPicPr>
+            <a:picLocks noChangeAspect="1" noChangeArrowheads="1"/>
+          </p:cNvPicPr>
+          <p:nvPr/>
+        </p:nvPicPr>
+        <p:blipFill>
+          <a:blip r:embed="rId2">
+            <a:extLst>
+              <a:ext uri="{28A0092B-C50C-407E-A947-70E740481C1C}">
+                <a14:useLocalDpi xmlns:a14="http://schemas.microsoft.com/office/drawing/2010/main" val="0"/>
+              </a:ext>
+            </a:extLst>
+          </a:blip>
+          <a:srcRect/>
+          <a:stretch>
+            <a:fillRect/>
+          </a:stretch>
+        </p:blipFill>
+        <p:spPr bwMode="auto">
+          <a:xfrm>
+            <a:off x="2847975" y="3362325"/>
+            <a:ext cx="6973063" cy="3486532"/>
+          </a:xfrm>
+          <a:prstGeom prst="rect">
+            <a:avLst/>
+          </a:prstGeom>
+          <a:noFill/>
+          <a:extLst>
+            <a:ext uri="{909E8E84-426E-40DD-AFC4-6F175D3DCCD1}">
+              <a14:hiddenFill xmlns:a14="http://schemas.microsoft.com/office/drawing/2010/main">
+                <a:solidFill>
+                  <a:srgbClr val="FFFFFF"/>
+                </a:solidFill>
+              </a14:hiddenFill>
+            </a:ext>
+          </a:extLst>
+        </p:spPr>
+      </p:pic>
       <p:sp>
         <p:nvSpPr>
           <p:cNvPr id="2" name="Titel 1">
@@ -3876,75 +5803,194 @@
           </a:p>
         </p:txBody>
       </p:sp>
-      <p:sp>
-        <p:nvSpPr>
-          <p:cNvPr id="3" name="Tijdelijke aanduiding voor inhoud 2">
+      <p:pic>
+        <p:nvPicPr>
+          <p:cNvPr id="2050" name="Picture 2" descr="Afbeeldingsresultaat voor godfather">
             <a:extLst>
               <a:ext uri="{FF2B5EF4-FFF2-40B4-BE49-F238E27FC236}">
-                <a16:creationId xmlns:a16="http://schemas.microsoft.com/office/drawing/2014/main" id="{9FC8300D-34CD-40CD-B54B-DB3429C4547A}"/>
+                <a16:creationId xmlns:a16="http://schemas.microsoft.com/office/drawing/2014/main" id="{817BE7C9-5054-45DB-A2B6-29183EA7D7F9}"/>
               </a:ext>
             </a:extLst>
           </p:cNvPr>
-          <p:cNvSpPr>
-            <a:spLocks noGrp="1"/>
-          </p:cNvSpPr>
-          <p:nvPr>
-            <p:ph idx="1"/>
-          </p:nvPr>
-        </p:nvSpPr>
-        <p:spPr/>
-        <p:txBody>
-          <a:bodyPr/>
-          <a:lstStyle/>
-          <a:p>
-            <a:r>
-              <a:rPr lang="en-GB" dirty="0"/>
-              <a:t>Mafia/Mob</a:t>
-            </a:r>
-          </a:p>
-          <a:p>
-            <a:endParaRPr lang="en-GB" dirty="0"/>
-          </a:p>
-          <a:p>
-            <a:r>
-              <a:rPr lang="en-GB" dirty="0"/>
-              <a:t>Hotline Miami</a:t>
-            </a:r>
-          </a:p>
-          <a:p>
-            <a:endParaRPr lang="en-GB" dirty="0"/>
-          </a:p>
-          <a:p>
-            <a:r>
-              <a:rPr lang="en-GB" dirty="0"/>
-              <a:t>Enter the </a:t>
-            </a:r>
-            <a:r>
-              <a:rPr lang="en-GB" dirty="0" err="1"/>
-              <a:t>Gungeon</a:t>
-            </a:r>
-            <a:endParaRPr lang="en-GB" dirty="0"/>
-          </a:p>
-          <a:p>
-            <a:endParaRPr lang="en-GB" dirty="0"/>
-          </a:p>
-          <a:p>
-            <a:r>
-              <a:rPr lang="en-GB" dirty="0"/>
-              <a:t>Gunpoint</a:t>
-            </a:r>
-          </a:p>
-          <a:p>
-            <a:endParaRPr lang="en-GB" dirty="0"/>
-          </a:p>
-          <a:p>
-            <a:r>
-              <a:rPr lang="en-GB" dirty="0"/>
-              <a:t>The Godfather</a:t>
-            </a:r>
-          </a:p>
-        </p:txBody>
-      </p:sp>
+          <p:cNvPicPr>
+            <a:picLocks noChangeAspect="1" noChangeArrowheads="1"/>
+          </p:cNvPicPr>
+          <p:nvPr/>
+        </p:nvPicPr>
+        <p:blipFill>
+          <a:blip r:embed="rId3">
+            <a:extLst>
+              <a:ext uri="{28A0092B-C50C-407E-A947-70E740481C1C}">
+                <a14:useLocalDpi xmlns:a14="http://schemas.microsoft.com/office/drawing/2010/main" val="0"/>
+              </a:ext>
+            </a:extLst>
+          </a:blip>
+          <a:srcRect/>
+          <a:stretch>
+            <a:fillRect/>
+          </a:stretch>
+        </p:blipFill>
+        <p:spPr bwMode="auto">
+          <a:xfrm>
+            <a:off x="8715375" y="0"/>
+            <a:ext cx="3476625" cy="5238750"/>
+          </a:xfrm>
+          <a:prstGeom prst="rect">
+            <a:avLst/>
+          </a:prstGeom>
+          <a:noFill/>
+          <a:extLst>
+            <a:ext uri="{909E8E84-426E-40DD-AFC4-6F175D3DCCD1}">
+              <a14:hiddenFill xmlns:a14="http://schemas.microsoft.com/office/drawing/2010/main">
+                <a:solidFill>
+                  <a:srgbClr val="FFFFFF"/>
+                </a:solidFill>
+              </a14:hiddenFill>
+            </a:ext>
+          </a:extLst>
+        </p:spPr>
+      </p:pic>
+      <p:pic>
+        <p:nvPicPr>
+          <p:cNvPr id="2056" name="Picture 8" descr="Afbeeldingsresultaat voor gunpoint">
+            <a:extLst>
+              <a:ext uri="{FF2B5EF4-FFF2-40B4-BE49-F238E27FC236}">
+                <a16:creationId xmlns:a16="http://schemas.microsoft.com/office/drawing/2014/main" id="{6D53871F-A496-4EA2-A7BB-43F02BEB0F29}"/>
+              </a:ext>
+            </a:extLst>
+          </p:cNvPr>
+          <p:cNvPicPr>
+            <a:picLocks noChangeAspect="1" noChangeArrowheads="1"/>
+          </p:cNvPicPr>
+          <p:nvPr/>
+        </p:nvPicPr>
+        <p:blipFill>
+          <a:blip r:embed="rId4">
+            <a:extLst>
+              <a:ext uri="{28A0092B-C50C-407E-A947-70E740481C1C}">
+                <a14:useLocalDpi xmlns:a14="http://schemas.microsoft.com/office/drawing/2010/main" val="0"/>
+              </a:ext>
+            </a:extLst>
+          </a:blip>
+          <a:srcRect/>
+          <a:stretch>
+            <a:fillRect/>
+          </a:stretch>
+        </p:blipFill>
+        <p:spPr bwMode="auto">
+          <a:xfrm>
+            <a:off x="8520329" y="5136113"/>
+            <a:ext cx="3671671" cy="1721887"/>
+          </a:xfrm>
+          <a:prstGeom prst="rect">
+            <a:avLst/>
+          </a:prstGeom>
+          <a:noFill/>
+          <a:extLst>
+            <a:ext uri="{909E8E84-426E-40DD-AFC4-6F175D3DCCD1}">
+              <a14:hiddenFill xmlns:a14="http://schemas.microsoft.com/office/drawing/2010/main">
+                <a:solidFill>
+                  <a:srgbClr val="FFFFFF"/>
+                </a:solidFill>
+              </a14:hiddenFill>
+            </a:ext>
+          </a:extLst>
+        </p:spPr>
+      </p:pic>
+      <p:pic>
+        <p:nvPicPr>
+          <p:cNvPr id="2060" name="Picture 12" descr="Afbeeldingsresultaat voor hotline miami">
+            <a:extLst>
+              <a:ext uri="{FF2B5EF4-FFF2-40B4-BE49-F238E27FC236}">
+                <a16:creationId xmlns:a16="http://schemas.microsoft.com/office/drawing/2014/main" id="{D5031BEC-1FC4-4D00-9CFD-1AD714F663E1}"/>
+              </a:ext>
+            </a:extLst>
+          </p:cNvPr>
+          <p:cNvPicPr>
+            <a:picLocks noChangeAspect="1" noChangeArrowheads="1"/>
+          </p:cNvPicPr>
+          <p:nvPr/>
+        </p:nvPicPr>
+        <p:blipFill>
+          <a:blip r:embed="rId5">
+            <a:extLst>
+              <a:ext uri="{28A0092B-C50C-407E-A947-70E740481C1C}">
+                <a14:useLocalDpi xmlns:a14="http://schemas.microsoft.com/office/drawing/2010/main" val="0"/>
+              </a:ext>
+            </a:extLst>
+          </a:blip>
+          <a:srcRect/>
+          <a:stretch>
+            <a:fillRect/>
+          </a:stretch>
+        </p:blipFill>
+        <p:spPr bwMode="auto">
+          <a:xfrm>
+            <a:off x="2847975" y="0"/>
+            <a:ext cx="5867400" cy="3362325"/>
+          </a:xfrm>
+          <a:prstGeom prst="rect">
+            <a:avLst/>
+          </a:prstGeom>
+          <a:noFill/>
+          <a:extLst>
+            <a:ext uri="{909E8E84-426E-40DD-AFC4-6F175D3DCCD1}">
+              <a14:hiddenFill xmlns:a14="http://schemas.microsoft.com/office/drawing/2010/main">
+                <a:solidFill>
+                  <a:srgbClr val="FFFFFF"/>
+                </a:solidFill>
+              </a14:hiddenFill>
+            </a:ext>
+          </a:extLst>
+        </p:spPr>
+      </p:pic>
+      <p:pic>
+        <p:nvPicPr>
+          <p:cNvPr id="2068" name="Picture 20" descr="Afbeeldingsresultaat voor mafia">
+            <a:extLst>
+              <a:ext uri="{FF2B5EF4-FFF2-40B4-BE49-F238E27FC236}">
+                <a16:creationId xmlns:a16="http://schemas.microsoft.com/office/drawing/2014/main" id="{F402EB0F-AF3F-4787-846C-F91CDED0CC4A}"/>
+              </a:ext>
+            </a:extLst>
+          </p:cNvPr>
+          <p:cNvPicPr>
+            <a:picLocks noChangeAspect="1" noChangeArrowheads="1"/>
+          </p:cNvPicPr>
+          <p:nvPr/>
+        </p:nvPicPr>
+        <p:blipFill>
+          <a:blip r:embed="rId6">
+            <a:extLst>
+              <a:ext uri="{28A0092B-C50C-407E-A947-70E740481C1C}">
+                <a14:useLocalDpi xmlns:a14="http://schemas.microsoft.com/office/drawing/2010/main" val="0"/>
+              </a:ext>
+            </a:extLst>
+          </a:blip>
+          <a:srcRect/>
+          <a:stretch>
+            <a:fillRect/>
+          </a:stretch>
+        </p:blipFill>
+        <p:spPr bwMode="auto">
+          <a:xfrm>
+            <a:off x="-9119" y="-12742"/>
+            <a:ext cx="2857094" cy="2024743"/>
+          </a:xfrm>
+          <a:prstGeom prst="rect">
+            <a:avLst/>
+          </a:prstGeom>
+          <a:noFill/>
+          <a:extLst>
+            <a:ext uri="{909E8E84-426E-40DD-AFC4-6F175D3DCCD1}">
+              <a14:hiddenFill xmlns:a14="http://schemas.microsoft.com/office/drawing/2010/main">
+                <a:solidFill>
+                  <a:srgbClr val="FFFFFF"/>
+                </a:solidFill>
+              </a14:hiddenFill>
+            </a:ext>
+          </a:extLst>
+        </p:spPr>
+      </p:pic>
     </p:spTree>
     <p:extLst>
       <p:ext uri="{BB962C8B-B14F-4D97-AF65-F5344CB8AC3E}">
@@ -4442,4 +6488,299 @@
     </a:ext>
   </a:extLst>
 </a:theme>
+</file>
+
+<file path=ppt/theme/theme2.xml><?xml version="1.0" encoding="utf-8"?>
+<a:theme xmlns:a="http://schemas.openxmlformats.org/drawingml/2006/main" name="Office Theme">
+  <a:themeElements>
+    <a:clrScheme name="Office">
+      <a:dk1>
+        <a:sysClr val="windowText" lastClr="000000"/>
+      </a:dk1>
+      <a:lt1>
+        <a:sysClr val="window" lastClr="FFFFFF"/>
+      </a:lt1>
+      <a:dk2>
+        <a:srgbClr val="44546A"/>
+      </a:dk2>
+      <a:lt2>
+        <a:srgbClr val="E7E6E6"/>
+      </a:lt2>
+      <a:accent1>
+        <a:srgbClr val="4472C4"/>
+      </a:accent1>
+      <a:accent2>
+        <a:srgbClr val="ED7D31"/>
+      </a:accent2>
+      <a:accent3>
+        <a:srgbClr val="A5A5A5"/>
+      </a:accent3>
+      <a:accent4>
+        <a:srgbClr val="FFC000"/>
+      </a:accent4>
+      <a:accent5>
+        <a:srgbClr val="5B9BD5"/>
+      </a:accent5>
+      <a:accent6>
+        <a:srgbClr val="70AD47"/>
+      </a:accent6>
+      <a:hlink>
+        <a:srgbClr val="0563C1"/>
+      </a:hlink>
+      <a:folHlink>
+        <a:srgbClr val="954F72"/>
+      </a:folHlink>
+    </a:clrScheme>
+    <a:fontScheme name="Office">
+      <a:majorFont>
+        <a:latin typeface="Calibri Light" panose="020F0302020204030204"/>
+        <a:ea typeface=""/>
+        <a:cs typeface=""/>
+        <a:font script="Jpan" typeface="游ゴシック Light"/>
+        <a:font script="Hang" typeface="맑은 고딕"/>
+        <a:font script="Hans" typeface="等线 Light"/>
+        <a:font script="Hant" typeface="新細明體"/>
+        <a:font script="Arab" typeface="Times New Roman"/>
+        <a:font script="Hebr" typeface="Times New Roman"/>
+        <a:font script="Thai" typeface="Angsana New"/>
+        <a:font script="Ethi" typeface="Nyala"/>
+        <a:font script="Beng" typeface="Vrinda"/>
+        <a:font script="Gujr" typeface="Shruti"/>
+        <a:font script="Khmr" typeface="MoolBoran"/>
+        <a:font script="Knda" typeface="Tunga"/>
+        <a:font script="Guru" typeface="Raavi"/>
+        <a:font script="Cans" typeface="Euphemia"/>
+        <a:font script="Cher" typeface="Plantagenet Cherokee"/>
+        <a:font script="Yiii" typeface="Microsoft Yi Baiti"/>
+        <a:font script="Tibt" typeface="Microsoft Himalaya"/>
+        <a:font script="Thaa" typeface="MV Boli"/>
+        <a:font script="Deva" typeface="Mangal"/>
+        <a:font script="Telu" typeface="Gautami"/>
+        <a:font script="Taml" typeface="Latha"/>
+        <a:font script="Syrc" typeface="Estrangelo Edessa"/>
+        <a:font script="Orya" typeface="Kalinga"/>
+        <a:font script="Mlym" typeface="Kartika"/>
+        <a:font script="Laoo" typeface="DokChampa"/>
+        <a:font script="Sinh" typeface="Iskoola Pota"/>
+        <a:font script="Mong" typeface="Mongolian Baiti"/>
+        <a:font script="Viet" typeface="Times New Roman"/>
+        <a:font script="Uigh" typeface="Microsoft Uighur"/>
+        <a:font script="Geor" typeface="Sylfaen"/>
+        <a:font script="Armn" typeface="Arial"/>
+        <a:font script="Bugi" typeface="Leelawadee UI"/>
+        <a:font script="Bopo" typeface="Microsoft JhengHei"/>
+        <a:font script="Java" typeface="Javanese Text"/>
+        <a:font script="Lisu" typeface="Segoe UI"/>
+        <a:font script="Mymr" typeface="Myanmar Text"/>
+        <a:font script="Nkoo" typeface="Ebrima"/>
+        <a:font script="Olck" typeface="Nirmala UI"/>
+        <a:font script="Osma" typeface="Ebrima"/>
+        <a:font script="Phag" typeface="Phagspa"/>
+        <a:font script="Syrn" typeface="Estrangelo Edessa"/>
+        <a:font script="Syrj" typeface="Estrangelo Edessa"/>
+        <a:font script="Syre" typeface="Estrangelo Edessa"/>
+        <a:font script="Sora" typeface="Nirmala UI"/>
+        <a:font script="Tale" typeface="Microsoft Tai Le"/>
+        <a:font script="Talu" typeface="Microsoft New Tai Lue"/>
+        <a:font script="Tfng" typeface="Ebrima"/>
+      </a:majorFont>
+      <a:minorFont>
+        <a:latin typeface="Calibri" panose="020F0502020204030204"/>
+        <a:ea typeface=""/>
+        <a:cs typeface=""/>
+        <a:font script="Jpan" typeface="游ゴシック"/>
+        <a:font script="Hang" typeface="맑은 고딕"/>
+        <a:font script="Hans" typeface="等线"/>
+        <a:font script="Hant" typeface="新細明體"/>
+        <a:font script="Arab" typeface="Arial"/>
+        <a:font script="Hebr" typeface="Arial"/>
+        <a:font script="Thai" typeface="Cordia New"/>
+        <a:font script="Ethi" typeface="Nyala"/>
+        <a:font script="Beng" typeface="Vrinda"/>
+        <a:font script="Gujr" typeface="Shruti"/>
+        <a:font script="Khmr" typeface="DaunPenh"/>
+        <a:font script="Knda" typeface="Tunga"/>
+        <a:font script="Guru" typeface="Raavi"/>
+        <a:font script="Cans" typeface="Euphemia"/>
+        <a:font script="Cher" typeface="Plantagenet Cherokee"/>
+        <a:font script="Yiii" typeface="Microsoft Yi Baiti"/>
+        <a:font script="Tibt" typeface="Microsoft Himalaya"/>
+        <a:font script="Thaa" typeface="MV Boli"/>
+        <a:font script="Deva" typeface="Mangal"/>
+        <a:font script="Telu" typeface="Gautami"/>
+        <a:font script="Taml" typeface="Latha"/>
+        <a:font script="Syrc" typeface="Estrangelo Edessa"/>
+        <a:font script="Orya" typeface="Kalinga"/>
+        <a:font script="Mlym" typeface="Kartika"/>
+        <a:font script="Laoo" typeface="DokChampa"/>
+        <a:font script="Sinh" typeface="Iskoola Pota"/>
+        <a:font script="Mong" typeface="Mongolian Baiti"/>
+        <a:font script="Viet" typeface="Arial"/>
+        <a:font script="Uigh" typeface="Microsoft Uighur"/>
+        <a:font script="Geor" typeface="Sylfaen"/>
+        <a:font script="Armn" typeface="Arial"/>
+        <a:font script="Bugi" typeface="Leelawadee UI"/>
+        <a:font script="Bopo" typeface="Microsoft JhengHei"/>
+        <a:font script="Java" typeface="Javanese Text"/>
+        <a:font script="Lisu" typeface="Segoe UI"/>
+        <a:font script="Mymr" typeface="Myanmar Text"/>
+        <a:font script="Nkoo" typeface="Ebrima"/>
+        <a:font script="Olck" typeface="Nirmala UI"/>
+        <a:font script="Osma" typeface="Ebrima"/>
+        <a:font script="Phag" typeface="Phagspa"/>
+        <a:font script="Syrn" typeface="Estrangelo Edessa"/>
+        <a:font script="Syrj" typeface="Estrangelo Edessa"/>
+        <a:font script="Syre" typeface="Estrangelo Edessa"/>
+        <a:font script="Sora" typeface="Nirmala UI"/>
+        <a:font script="Tale" typeface="Microsoft Tai Le"/>
+        <a:font script="Talu" typeface="Microsoft New Tai Lue"/>
+        <a:font script="Tfng" typeface="Ebrima"/>
+      </a:minorFont>
+    </a:fontScheme>
+    <a:fmtScheme name="Office">
+      <a:fillStyleLst>
+        <a:solidFill>
+          <a:schemeClr val="phClr"/>
+        </a:solidFill>
+        <a:gradFill rotWithShape="1">
+          <a:gsLst>
+            <a:gs pos="0">
+              <a:schemeClr val="phClr">
+                <a:lumMod val="110000"/>
+                <a:satMod val="105000"/>
+                <a:tint val="67000"/>
+              </a:schemeClr>
+            </a:gs>
+            <a:gs pos="50000">
+              <a:schemeClr val="phClr">
+                <a:lumMod val="105000"/>
+                <a:satMod val="103000"/>
+                <a:tint val="73000"/>
+              </a:schemeClr>
+            </a:gs>
+            <a:gs pos="100000">
+              <a:schemeClr val="phClr">
+                <a:lumMod val="105000"/>
+                <a:satMod val="109000"/>
+                <a:tint val="81000"/>
+              </a:schemeClr>
+            </a:gs>
+          </a:gsLst>
+          <a:lin ang="5400000" scaled="0"/>
+        </a:gradFill>
+        <a:gradFill rotWithShape="1">
+          <a:gsLst>
+            <a:gs pos="0">
+              <a:schemeClr val="phClr">
+                <a:satMod val="103000"/>
+                <a:lumMod val="102000"/>
+                <a:tint val="94000"/>
+              </a:schemeClr>
+            </a:gs>
+            <a:gs pos="50000">
+              <a:schemeClr val="phClr">
+                <a:satMod val="110000"/>
+                <a:lumMod val="100000"/>
+                <a:shade val="100000"/>
+              </a:schemeClr>
+            </a:gs>
+            <a:gs pos="100000">
+              <a:schemeClr val="phClr">
+                <a:lumMod val="99000"/>
+                <a:satMod val="120000"/>
+                <a:shade val="78000"/>
+              </a:schemeClr>
+            </a:gs>
+          </a:gsLst>
+          <a:lin ang="5400000" scaled="0"/>
+        </a:gradFill>
+      </a:fillStyleLst>
+      <a:lnStyleLst>
+        <a:ln w="6350" cap="flat" cmpd="sng" algn="ctr">
+          <a:solidFill>
+            <a:schemeClr val="phClr"/>
+          </a:solidFill>
+          <a:prstDash val="solid"/>
+          <a:miter lim="800000"/>
+        </a:ln>
+        <a:ln w="12700" cap="flat" cmpd="sng" algn="ctr">
+          <a:solidFill>
+            <a:schemeClr val="phClr"/>
+          </a:solidFill>
+          <a:prstDash val="solid"/>
+          <a:miter lim="800000"/>
+        </a:ln>
+        <a:ln w="19050" cap="flat" cmpd="sng" algn="ctr">
+          <a:solidFill>
+            <a:schemeClr val="phClr"/>
+          </a:solidFill>
+          <a:prstDash val="solid"/>
+          <a:miter lim="800000"/>
+        </a:ln>
+      </a:lnStyleLst>
+      <a:effectStyleLst>
+        <a:effectStyle>
+          <a:effectLst/>
+        </a:effectStyle>
+        <a:effectStyle>
+          <a:effectLst/>
+        </a:effectStyle>
+        <a:effectStyle>
+          <a:effectLst>
+            <a:outerShdw blurRad="57150" dist="19050" dir="5400000" algn="ctr" rotWithShape="0">
+              <a:srgbClr val="000000">
+                <a:alpha val="63000"/>
+              </a:srgbClr>
+            </a:outerShdw>
+          </a:effectLst>
+        </a:effectStyle>
+      </a:effectStyleLst>
+      <a:bgFillStyleLst>
+        <a:solidFill>
+          <a:schemeClr val="phClr"/>
+        </a:solidFill>
+        <a:solidFill>
+          <a:schemeClr val="phClr">
+            <a:tint val="95000"/>
+            <a:satMod val="170000"/>
+          </a:schemeClr>
+        </a:solidFill>
+        <a:gradFill rotWithShape="1">
+          <a:gsLst>
+            <a:gs pos="0">
+              <a:schemeClr val="phClr">
+                <a:tint val="93000"/>
+                <a:satMod val="150000"/>
+                <a:shade val="98000"/>
+                <a:lumMod val="102000"/>
+              </a:schemeClr>
+            </a:gs>
+            <a:gs pos="50000">
+              <a:schemeClr val="phClr">
+                <a:tint val="98000"/>
+                <a:satMod val="130000"/>
+                <a:shade val="90000"/>
+                <a:lumMod val="103000"/>
+              </a:schemeClr>
+            </a:gs>
+            <a:gs pos="100000">
+              <a:schemeClr val="phClr">
+                <a:shade val="63000"/>
+                <a:satMod val="120000"/>
+              </a:schemeClr>
+            </a:gs>
+          </a:gsLst>
+          <a:lin ang="5400000" scaled="0"/>
+        </a:gradFill>
+      </a:bgFillStyleLst>
+    </a:fmtScheme>
+  </a:themeElements>
+  <a:objectDefaults/>
+  <a:extraClrSchemeLst/>
+  <a:extLst>
+    <a:ext uri="{05A4C25C-085E-4340-85A3-A5531E510DB2}">
+      <thm15:themeFamily xmlns:thm15="http://schemas.microsoft.com/office/thememl/2012/main" name="Office Theme" id="{62F939B6-93AF-4DB8-9C6B-D6C7DFDC589F}" vid="{4A3C46E8-61CC-4603-A589-7422A47A8E4A}"/>
+    </a:ext>
+  </a:extLst>
+</a:theme>
 </file>
--- a/Presentations/MugShot Concept Pitch.pptx
+++ b/Presentations/MugShot Concept Pitch.pptx
@@ -5,17 +5,18 @@
     <p:sldMasterId id="2147483840" r:id="rId1"/>
   </p:sldMasterIdLst>
   <p:notesMasterIdLst>
-    <p:notesMasterId r:id="rId10"/>
+    <p:notesMasterId r:id="rId11"/>
   </p:notesMasterIdLst>
   <p:sldIdLst>
     <p:sldId id="256" r:id="rId2"/>
     <p:sldId id="257" r:id="rId3"/>
-    <p:sldId id="258" r:id="rId4"/>
-    <p:sldId id="263" r:id="rId5"/>
-    <p:sldId id="259" r:id="rId6"/>
-    <p:sldId id="260" r:id="rId7"/>
-    <p:sldId id="261" r:id="rId8"/>
-    <p:sldId id="262" r:id="rId9"/>
+    <p:sldId id="261" r:id="rId4"/>
+    <p:sldId id="258" r:id="rId5"/>
+    <p:sldId id="263" r:id="rId6"/>
+    <p:sldId id="259" r:id="rId7"/>
+    <p:sldId id="260" r:id="rId8"/>
+    <p:sldId id="264" r:id="rId9"/>
+    <p:sldId id="262" r:id="rId10"/>
   </p:sldIdLst>
   <p:sldSz cx="12192000" cy="6858000"/>
   <p:notesSz cx="6858000" cy="9144000"/>
@@ -204,7 +205,7 @@
           <a:p>
             <a:fld id="{C8FABA2A-3B3F-44E7-86FA-94BC109E2568}" type="datetimeFigureOut">
               <a:rPr lang="en-GB" smtClean="0"/>
-              <a:t>12/02/2019</a:t>
+              <a:t>13/02/2019</a:t>
             </a:fld>
             <a:endParaRPr lang="en-GB"/>
           </a:p>
@@ -1422,7 +1423,7 @@
           <a:p>
             <a:fld id="{91A93E66-DEA8-4E8F-9363-186D98DB9659}" type="slidenum">
               <a:rPr lang="en-GB" smtClean="0"/>
-              <a:t>4</a:t>
+              <a:t>5</a:t>
             </a:fld>
             <a:endParaRPr lang="en-GB"/>
           </a:p>
@@ -1668,7 +1669,7 @@
             <a:fld id="{5586B75A-687E-405C-8A0B-8D00578BA2C3}" type="datetimeFigureOut">
               <a:rPr lang="en-US" dirty="0"/>
               <a:pPr/>
-              <a:t>2/12/2019</a:t>
+              <a:t>2/13/2019</a:t>
             </a:fld>
             <a:endParaRPr lang="en-US" dirty="0"/>
           </a:p>
@@ -1835,7 +1836,7 @@
             <a:fld id="{5586B75A-687E-405C-8A0B-8D00578BA2C3}" type="datetimeFigureOut">
               <a:rPr lang="en-US" dirty="0"/>
               <a:pPr/>
-              <a:t>2/12/2019</a:t>
+              <a:t>2/13/2019</a:t>
             </a:fld>
             <a:endParaRPr lang="en-US" dirty="0"/>
           </a:p>
@@ -2012,7 +2013,7 @@
             <a:fld id="{5586B75A-687E-405C-8A0B-8D00578BA2C3}" type="datetimeFigureOut">
               <a:rPr lang="en-US" dirty="0"/>
               <a:pPr/>
-              <a:t>2/12/2019</a:t>
+              <a:t>2/13/2019</a:t>
             </a:fld>
             <a:endParaRPr lang="en-US" dirty="0"/>
           </a:p>
@@ -2179,7 +2180,7 @@
             <a:fld id="{5586B75A-687E-405C-8A0B-8D00578BA2C3}" type="datetimeFigureOut">
               <a:rPr lang="en-US" dirty="0"/>
               <a:pPr/>
-              <a:t>2/12/2019</a:t>
+              <a:t>2/13/2019</a:t>
             </a:fld>
             <a:endParaRPr lang="en-US" dirty="0"/>
           </a:p>
@@ -2434,7 +2435,7 @@
             <a:fld id="{5586B75A-687E-405C-8A0B-8D00578BA2C3}" type="datetimeFigureOut">
               <a:rPr lang="en-US" dirty="0"/>
               <a:pPr/>
-              <a:t>2/12/2019</a:t>
+              <a:t>2/13/2019</a:t>
             </a:fld>
             <a:endParaRPr lang="en-US" dirty="0"/>
           </a:p>
@@ -2719,7 +2720,7 @@
             <a:fld id="{5586B75A-687E-405C-8A0B-8D00578BA2C3}" type="datetimeFigureOut">
               <a:rPr lang="en-US" dirty="0"/>
               <a:pPr/>
-              <a:t>2/12/2019</a:t>
+              <a:t>2/13/2019</a:t>
             </a:fld>
             <a:endParaRPr lang="en-US" dirty="0"/>
           </a:p>
@@ -3158,7 +3159,7 @@
             <a:fld id="{5586B75A-687E-405C-8A0B-8D00578BA2C3}" type="datetimeFigureOut">
               <a:rPr lang="en-US" dirty="0"/>
               <a:pPr/>
-              <a:t>2/12/2019</a:t>
+              <a:t>2/13/2019</a:t>
             </a:fld>
             <a:endParaRPr lang="en-US" dirty="0"/>
           </a:p>
@@ -3273,7 +3274,7 @@
             <a:fld id="{5586B75A-687E-405C-8A0B-8D00578BA2C3}" type="datetimeFigureOut">
               <a:rPr lang="en-US" dirty="0"/>
               <a:pPr/>
-              <a:t>2/12/2019</a:t>
+              <a:t>2/13/2019</a:t>
             </a:fld>
             <a:endParaRPr lang="en-US" dirty="0"/>
           </a:p>
@@ -3365,7 +3366,7 @@
             <a:fld id="{5586B75A-687E-405C-8A0B-8D00578BA2C3}" type="datetimeFigureOut">
               <a:rPr lang="en-US" dirty="0"/>
               <a:pPr/>
-              <a:t>2/12/2019</a:t>
+              <a:t>2/13/2019</a:t>
             </a:fld>
             <a:endParaRPr lang="en-US" dirty="0"/>
           </a:p>
@@ -3650,7 +3651,7 @@
             <a:fld id="{5586B75A-687E-405C-8A0B-8D00578BA2C3}" type="datetimeFigureOut">
               <a:rPr lang="en-US" dirty="0"/>
               <a:pPr/>
-              <a:t>2/12/2019</a:t>
+              <a:t>2/13/2019</a:t>
             </a:fld>
             <a:endParaRPr lang="en-US" dirty="0"/>
           </a:p>
@@ -3921,7 +3922,7 @@
             <a:fld id="{5586B75A-687E-405C-8A0B-8D00578BA2C3}" type="datetimeFigureOut">
               <a:rPr lang="en-US" dirty="0"/>
               <a:pPr/>
-              <a:t>2/12/2019</a:t>
+              <a:t>2/13/2019</a:t>
             </a:fld>
             <a:endParaRPr lang="en-US" dirty="0"/>
           </a:p>
@@ -4217,7 +4218,7 @@
             <a:fld id="{5586B75A-687E-405C-8A0B-8D00578BA2C3}" type="datetimeFigureOut">
               <a:rPr lang="en-US" dirty="0"/>
               <a:pPr/>
-              <a:t>2/12/2019</a:t>
+              <a:t>2/13/2019</a:t>
             </a:fld>
             <a:endParaRPr lang="en-US" dirty="0"/>
           </a:p>
@@ -4906,7 +4907,7 @@
             </a:r>
             <a:r>
               <a:rPr lang="en-GB" dirty="0" err="1"/>
-              <a:t>Oosterhof</a:t>
+              <a:t>Oosthof</a:t>
             </a:r>
             <a:r>
               <a:rPr lang="en-GB" dirty="0"/>
@@ -4956,6 +4957,117 @@
 </file>
 
 <file path=ppt/slides/slide3.xml><?xml version="1.0" encoding="utf-8"?>
+<p:sld xmlns:a="http://schemas.openxmlformats.org/drawingml/2006/main" xmlns:r="http://schemas.openxmlformats.org/officeDocument/2006/relationships" xmlns:p="http://schemas.openxmlformats.org/presentationml/2006/main">
+  <p:cSld>
+    <p:spTree>
+      <p:nvGrpSpPr>
+        <p:cNvPr id="1" name=""/>
+        <p:cNvGrpSpPr/>
+        <p:nvPr/>
+      </p:nvGrpSpPr>
+      <p:grpSpPr>
+        <a:xfrm>
+          <a:off x="0" y="0"/>
+          <a:ext cx="0" cy="0"/>
+          <a:chOff x="0" y="0"/>
+          <a:chExt cx="0" cy="0"/>
+        </a:xfrm>
+      </p:grpSpPr>
+      <p:sp>
+        <p:nvSpPr>
+          <p:cNvPr id="2" name="Titel 1">
+            <a:extLst>
+              <a:ext uri="{FF2B5EF4-FFF2-40B4-BE49-F238E27FC236}">
+                <a16:creationId xmlns:a16="http://schemas.microsoft.com/office/drawing/2014/main" id="{C86978D4-1017-4D14-89A1-5CE45A818ACD}"/>
+              </a:ext>
+            </a:extLst>
+          </p:cNvPr>
+          <p:cNvSpPr>
+            <a:spLocks noGrp="1"/>
+          </p:cNvSpPr>
+          <p:nvPr>
+            <p:ph type="title"/>
+          </p:nvPr>
+        </p:nvSpPr>
+        <p:spPr/>
+        <p:txBody>
+          <a:bodyPr/>
+          <a:lstStyle/>
+          <a:p>
+            <a:pPr algn="ctr"/>
+            <a:r>
+              <a:rPr lang="en-GB" dirty="0"/>
+              <a:t>Concept </a:t>
+            </a:r>
+            <a:r>
+              <a:rPr lang="en-GB" dirty="0" err="1"/>
+              <a:t>Discription</a:t>
+            </a:r>
+            <a:endParaRPr lang="en-NL" dirty="0"/>
+          </a:p>
+        </p:txBody>
+      </p:sp>
+      <p:sp>
+        <p:nvSpPr>
+          <p:cNvPr id="3" name="Tijdelijke aanduiding voor inhoud 2">
+            <a:extLst>
+              <a:ext uri="{FF2B5EF4-FFF2-40B4-BE49-F238E27FC236}">
+                <a16:creationId xmlns:a16="http://schemas.microsoft.com/office/drawing/2014/main" id="{93850CF8-9571-4711-A7FB-EBF4796D597B}"/>
+              </a:ext>
+            </a:extLst>
+          </p:cNvPr>
+          <p:cNvSpPr>
+            <a:spLocks noGrp="1"/>
+          </p:cNvSpPr>
+          <p:nvPr>
+            <p:ph idx="1"/>
+          </p:nvPr>
+        </p:nvSpPr>
+        <p:spPr/>
+        <p:txBody>
+          <a:bodyPr/>
+          <a:lstStyle/>
+          <a:p>
+            <a:r>
+              <a:rPr lang="en-GB" dirty="0"/>
+              <a:t>Target Group</a:t>
+            </a:r>
+          </a:p>
+          <a:p>
+            <a:endParaRPr lang="en-GB" dirty="0"/>
+          </a:p>
+          <a:p>
+            <a:r>
+              <a:rPr lang="en-GB" dirty="0"/>
+              <a:t>Synopsis</a:t>
+            </a:r>
+          </a:p>
+          <a:p>
+            <a:endParaRPr lang="en-GB" dirty="0"/>
+          </a:p>
+          <a:p>
+            <a:r>
+              <a:rPr lang="en-GB" dirty="0"/>
+              <a:t>Main goals</a:t>
+            </a:r>
+            <a:endParaRPr lang="en-NL" dirty="0"/>
+          </a:p>
+        </p:txBody>
+      </p:sp>
+    </p:spTree>
+    <p:extLst>
+      <p:ext uri="{BB962C8B-B14F-4D97-AF65-F5344CB8AC3E}">
+        <p14:creationId xmlns:p14="http://schemas.microsoft.com/office/powerpoint/2010/main" val="2613305307"/>
+      </p:ext>
+    </p:extLst>
+  </p:cSld>
+  <p:clrMapOvr>
+    <a:masterClrMapping/>
+  </p:clrMapOvr>
+</p:sld>
+</file>
+
+<file path=ppt/slides/slide4.xml><?xml version="1.0" encoding="utf-8"?>
 <p:sld xmlns:a="http://schemas.openxmlformats.org/drawingml/2006/main" xmlns:r="http://schemas.openxmlformats.org/officeDocument/2006/relationships" xmlns:p="http://schemas.openxmlformats.org/presentationml/2006/main">
   <p:cSld>
     <p:spTree>
@@ -5176,7 +5288,7 @@
 </p:sld>
 </file>
 
-<file path=ppt/slides/slide4.xml><?xml version="1.0" encoding="utf-8"?>
+<file path=ppt/slides/slide5.xml><?xml version="1.0" encoding="utf-8"?>
 <p:sld xmlns:a="http://schemas.openxmlformats.org/drawingml/2006/main" xmlns:r="http://schemas.openxmlformats.org/officeDocument/2006/relationships" xmlns:p="http://schemas.openxmlformats.org/presentationml/2006/main">
   <p:cSld>
     <p:spTree>
@@ -5710,7 +5822,7 @@
 </p:sld>
 </file>
 
-<file path=ppt/slides/slide5.xml><?xml version="1.0" encoding="utf-8"?>
+<file path=ppt/slides/slide6.xml><?xml version="1.0" encoding="utf-8"?>
 <p:sld xmlns:a="http://schemas.openxmlformats.org/drawingml/2006/main" xmlns:r="http://schemas.openxmlformats.org/officeDocument/2006/relationships" xmlns:p="http://schemas.openxmlformats.org/presentationml/2006/main">
   <p:cSld>
     <p:spTree>
@@ -6004,91 +6116,6 @@
 </p:sld>
 </file>
 
-<file path=ppt/slides/slide6.xml><?xml version="1.0" encoding="utf-8"?>
-<p:sld xmlns:a="http://schemas.openxmlformats.org/drawingml/2006/main" xmlns:r="http://schemas.openxmlformats.org/officeDocument/2006/relationships" xmlns:p="http://schemas.openxmlformats.org/presentationml/2006/main">
-  <p:cSld>
-    <p:spTree>
-      <p:nvGrpSpPr>
-        <p:cNvPr id="1" name=""/>
-        <p:cNvGrpSpPr/>
-        <p:nvPr/>
-      </p:nvGrpSpPr>
-      <p:grpSpPr>
-        <a:xfrm>
-          <a:off x="0" y="0"/>
-          <a:ext cx="0" cy="0"/>
-          <a:chOff x="0" y="0"/>
-          <a:chExt cx="0" cy="0"/>
-        </a:xfrm>
-      </p:grpSpPr>
-      <p:sp>
-        <p:nvSpPr>
-          <p:cNvPr id="2" name="Titel 1">
-            <a:extLst>
-              <a:ext uri="{FF2B5EF4-FFF2-40B4-BE49-F238E27FC236}">
-                <a16:creationId xmlns:a16="http://schemas.microsoft.com/office/drawing/2014/main" id="{63107E6D-6E14-4191-AE19-E01FF96BE7AA}"/>
-              </a:ext>
-            </a:extLst>
-          </p:cNvPr>
-          <p:cNvSpPr>
-            <a:spLocks noGrp="1"/>
-          </p:cNvSpPr>
-          <p:nvPr>
-            <p:ph type="title"/>
-          </p:nvPr>
-        </p:nvSpPr>
-        <p:spPr/>
-        <p:txBody>
-          <a:bodyPr/>
-          <a:lstStyle/>
-          <a:p>
-            <a:pPr algn="ctr"/>
-            <a:r>
-              <a:rPr lang="en-GB" dirty="0" err="1"/>
-              <a:t>Moodboards</a:t>
-            </a:r>
-            <a:endParaRPr lang="en-NL" dirty="0"/>
-          </a:p>
-        </p:txBody>
-      </p:sp>
-      <p:sp>
-        <p:nvSpPr>
-          <p:cNvPr id="3" name="Tijdelijke aanduiding voor inhoud 2">
-            <a:extLst>
-              <a:ext uri="{FF2B5EF4-FFF2-40B4-BE49-F238E27FC236}">
-                <a16:creationId xmlns:a16="http://schemas.microsoft.com/office/drawing/2014/main" id="{36B8C6F8-2B14-4AEA-92EE-BB1F3720A7C3}"/>
-              </a:ext>
-            </a:extLst>
-          </p:cNvPr>
-          <p:cNvSpPr>
-            <a:spLocks noGrp="1"/>
-          </p:cNvSpPr>
-          <p:nvPr>
-            <p:ph idx="1"/>
-          </p:nvPr>
-        </p:nvSpPr>
-        <p:spPr/>
-        <p:txBody>
-          <a:bodyPr/>
-          <a:lstStyle/>
-          <a:p>
-            <a:endParaRPr lang="en-NL"/>
-          </a:p>
-        </p:txBody>
-      </p:sp>
-    </p:spTree>
-    <p:extLst>
-      <p:ext uri="{BB962C8B-B14F-4D97-AF65-F5344CB8AC3E}">
-        <p14:creationId xmlns:p14="http://schemas.microsoft.com/office/powerpoint/2010/main" val="1663275404"/>
-      </p:ext>
-    </p:extLst>
-  </p:cSld>
-  <p:clrMapOvr>
-    <a:masterClrMapping/>
-  </p:clrMapOvr>
-</p:sld>
-</file>
-
 <file path=ppt/slides/slide7.xml><?xml version="1.0" encoding="utf-8"?>
 <p:sld xmlns:a="http://schemas.openxmlformats.org/drawingml/2006/main" xmlns:r="http://schemas.openxmlformats.org/officeDocument/2006/relationships" xmlns:p="http://schemas.openxmlformats.org/presentationml/2006/main">
   <p:cSld>
@@ -6111,7 +6138,7 @@
           <p:cNvPr id="2" name="Titel 1">
             <a:extLst>
               <a:ext uri="{FF2B5EF4-FFF2-40B4-BE49-F238E27FC236}">
-                <a16:creationId xmlns:a16="http://schemas.microsoft.com/office/drawing/2014/main" id="{C86978D4-1017-4D14-89A1-5CE45A818ACD}"/>
+                <a16:creationId xmlns:a16="http://schemas.microsoft.com/office/drawing/2014/main" id="{63107E6D-6E14-4191-AE19-E01FF96BE7AA}"/>
               </a:ext>
             </a:extLst>
           </p:cNvPr>
@@ -6129,68 +6156,111 @@
           <a:p>
             <a:pPr algn="ctr"/>
             <a:r>
-              <a:rPr lang="en-GB" dirty="0"/>
-              <a:t>Concept </a:t>
-            </a:r>
-            <a:r>
               <a:rPr lang="en-GB" dirty="0" err="1"/>
-              <a:t>Discription</a:t>
+              <a:t>Moodboards</a:t>
             </a:r>
             <a:endParaRPr lang="en-NL" dirty="0"/>
           </a:p>
         </p:txBody>
       </p:sp>
-      <p:sp>
-        <p:nvSpPr>
-          <p:cNvPr id="3" name="Tijdelijke aanduiding voor inhoud 2">
+      <p:pic>
+        <p:nvPicPr>
+          <p:cNvPr id="1026" name="Picture 2" descr="https://cdn.discordapp.com/attachments/544542627752837145/544962831087435777/color_palette.jpg">
             <a:extLst>
               <a:ext uri="{FF2B5EF4-FFF2-40B4-BE49-F238E27FC236}">
-                <a16:creationId xmlns:a16="http://schemas.microsoft.com/office/drawing/2014/main" id="{93850CF8-9571-4711-A7FB-EBF4796D597B}"/>
+                <a16:creationId xmlns:a16="http://schemas.microsoft.com/office/drawing/2014/main" id="{B9032EC9-A8DA-4D16-B97B-36369A7D7E8A}"/>
               </a:ext>
             </a:extLst>
           </p:cNvPr>
-          <p:cNvSpPr>
-            <a:spLocks noGrp="1"/>
-          </p:cNvSpPr>
-          <p:nvPr>
-            <p:ph idx="1"/>
-          </p:nvPr>
-        </p:nvSpPr>
-        <p:spPr/>
-        <p:txBody>
-          <a:bodyPr/>
-          <a:lstStyle/>
-          <a:p>
-            <a:r>
-              <a:rPr lang="en-GB" dirty="0"/>
-              <a:t>Target Group</a:t>
-            </a:r>
-          </a:p>
-          <a:p>
-            <a:endParaRPr lang="en-GB" dirty="0"/>
-          </a:p>
-          <a:p>
-            <a:r>
-              <a:rPr lang="en-GB" dirty="0"/>
-              <a:t>Synopsis</a:t>
-            </a:r>
-          </a:p>
-          <a:p>
-            <a:endParaRPr lang="en-GB" dirty="0"/>
-          </a:p>
-          <a:p>
-            <a:r>
-              <a:rPr lang="en-GB" dirty="0"/>
-              <a:t>Main goals</a:t>
-            </a:r>
-            <a:endParaRPr lang="en-NL" dirty="0"/>
-          </a:p>
-        </p:txBody>
-      </p:sp>
+          <p:cNvPicPr>
+            <a:picLocks noChangeAspect="1" noChangeArrowheads="1"/>
+          </p:cNvPicPr>
+          <p:nvPr/>
+        </p:nvPicPr>
+        <p:blipFill>
+          <a:blip r:embed="rId2">
+            <a:extLst>
+              <a:ext uri="{28A0092B-C50C-407E-A947-70E740481C1C}">
+                <a14:useLocalDpi xmlns:a14="http://schemas.microsoft.com/office/drawing/2010/main" val="0"/>
+              </a:ext>
+            </a:extLst>
+          </a:blip>
+          <a:srcRect/>
+          <a:stretch>
+            <a:fillRect/>
+          </a:stretch>
+        </p:blipFill>
+        <p:spPr bwMode="auto">
+          <a:xfrm>
+            <a:off x="5334000" y="0"/>
+            <a:ext cx="6858000" cy="6858000"/>
+          </a:xfrm>
+          <a:prstGeom prst="rect">
+            <a:avLst/>
+          </a:prstGeom>
+          <a:noFill/>
+          <a:extLst>
+            <a:ext uri="{909E8E84-426E-40DD-AFC4-6F175D3DCCD1}">
+              <a14:hiddenFill xmlns:a14="http://schemas.microsoft.com/office/drawing/2010/main">
+                <a:solidFill>
+                  <a:srgbClr val="FFFFFF"/>
+                </a:solidFill>
+              </a14:hiddenFill>
+            </a:ext>
+          </a:extLst>
+        </p:spPr>
+      </p:pic>
+      <p:pic>
+        <p:nvPicPr>
+          <p:cNvPr id="1030" name="Picture 6" descr="https://cdn.discordapp.com/attachments/544542627752837145/544964013411532840/moodboard.jpg">
+            <a:extLst>
+              <a:ext uri="{FF2B5EF4-FFF2-40B4-BE49-F238E27FC236}">
+                <a16:creationId xmlns:a16="http://schemas.microsoft.com/office/drawing/2014/main" id="{CE6EC485-2F7E-4100-B541-938A5DEC815A}"/>
+              </a:ext>
+            </a:extLst>
+          </p:cNvPr>
+          <p:cNvPicPr>
+            <a:picLocks noChangeAspect="1" noChangeArrowheads="1"/>
+          </p:cNvPicPr>
+          <p:nvPr/>
+        </p:nvPicPr>
+        <p:blipFill>
+          <a:blip r:embed="rId3">
+            <a:extLst>
+              <a:ext uri="{28A0092B-C50C-407E-A947-70E740481C1C}">
+                <a14:useLocalDpi xmlns:a14="http://schemas.microsoft.com/office/drawing/2010/main" val="0"/>
+              </a:ext>
+            </a:extLst>
+          </a:blip>
+          <a:srcRect/>
+          <a:stretch>
+            <a:fillRect/>
+          </a:stretch>
+        </p:blipFill>
+        <p:spPr bwMode="auto">
+          <a:xfrm>
+            <a:off x="-12441" y="751207"/>
+            <a:ext cx="5346441" cy="5346441"/>
+          </a:xfrm>
+          <a:prstGeom prst="rect">
+            <a:avLst/>
+          </a:prstGeom>
+          <a:noFill/>
+          <a:extLst>
+            <a:ext uri="{909E8E84-426E-40DD-AFC4-6F175D3DCCD1}">
+              <a14:hiddenFill xmlns:a14="http://schemas.microsoft.com/office/drawing/2010/main">
+                <a:solidFill>
+                  <a:srgbClr val="FFFFFF"/>
+                </a:solidFill>
+              </a14:hiddenFill>
+            </a:ext>
+          </a:extLst>
+        </p:spPr>
+      </p:pic>
     </p:spTree>
     <p:extLst>
       <p:ext uri="{BB962C8B-B14F-4D97-AF65-F5344CB8AC3E}">
-        <p14:creationId xmlns:p14="http://schemas.microsoft.com/office/powerpoint/2010/main" val="2613305307"/>
+        <p14:creationId xmlns:p14="http://schemas.microsoft.com/office/powerpoint/2010/main" val="1663275404"/>
       </p:ext>
     </p:extLst>
   </p:cSld>
@@ -6201,6 +6271,94 @@
 </file>
 
 <file path=ppt/slides/slide8.xml><?xml version="1.0" encoding="utf-8"?>
+<p:sld xmlns:a="http://schemas.openxmlformats.org/drawingml/2006/main" xmlns:r="http://schemas.openxmlformats.org/officeDocument/2006/relationships" xmlns:p="http://schemas.openxmlformats.org/presentationml/2006/main">
+  <p:cSld>
+    <p:spTree>
+      <p:nvGrpSpPr>
+        <p:cNvPr id="1" name=""/>
+        <p:cNvGrpSpPr/>
+        <p:nvPr/>
+      </p:nvGrpSpPr>
+      <p:grpSpPr>
+        <a:xfrm>
+          <a:off x="0" y="0"/>
+          <a:ext cx="0" cy="0"/>
+          <a:chOff x="0" y="0"/>
+          <a:chExt cx="0" cy="0"/>
+        </a:xfrm>
+      </p:grpSpPr>
+      <p:sp>
+        <p:nvSpPr>
+          <p:cNvPr id="2" name="Title 1">
+            <a:extLst>
+              <a:ext uri="{FF2B5EF4-FFF2-40B4-BE49-F238E27FC236}">
+                <a16:creationId xmlns:a16="http://schemas.microsoft.com/office/drawing/2014/main" id="{215D351C-4F45-4CBE-8B4E-715AC0C88F70}"/>
+              </a:ext>
+            </a:extLst>
+          </p:cNvPr>
+          <p:cNvSpPr>
+            <a:spLocks noGrp="1"/>
+          </p:cNvSpPr>
+          <p:nvPr>
+            <p:ph type="title"/>
+          </p:nvPr>
+        </p:nvSpPr>
+        <p:spPr/>
+        <p:txBody>
+          <a:bodyPr/>
+          <a:lstStyle/>
+          <a:p>
+            <a:endParaRPr lang="en-GB"/>
+          </a:p>
+        </p:txBody>
+      </p:sp>
+      <p:sp>
+        <p:nvSpPr>
+          <p:cNvPr id="3" name="Content Placeholder 2">
+            <a:extLst>
+              <a:ext uri="{FF2B5EF4-FFF2-40B4-BE49-F238E27FC236}">
+                <a16:creationId xmlns:a16="http://schemas.microsoft.com/office/drawing/2014/main" id="{EEFBFB6F-E3A1-434C-99E3-6662782FC10E}"/>
+              </a:ext>
+            </a:extLst>
+          </p:cNvPr>
+          <p:cNvSpPr>
+            <a:spLocks noGrp="1"/>
+          </p:cNvSpPr>
+          <p:nvPr>
+            <p:ph idx="1"/>
+          </p:nvPr>
+        </p:nvSpPr>
+        <p:spPr/>
+        <p:txBody>
+          <a:bodyPr/>
+          <a:lstStyle/>
+          <a:p>
+            <a:r>
+              <a:rPr lang="en-US" dirty="0"/>
+              <a:t>Sound </a:t>
+            </a:r>
+            <a:r>
+              <a:rPr lang="en-US"/>
+              <a:t>Moodboard</a:t>
+            </a:r>
+            <a:endParaRPr lang="en-GB"/>
+          </a:p>
+        </p:txBody>
+      </p:sp>
+    </p:spTree>
+    <p:extLst>
+      <p:ext uri="{BB962C8B-B14F-4D97-AF65-F5344CB8AC3E}">
+        <p14:creationId xmlns:p14="http://schemas.microsoft.com/office/powerpoint/2010/main" val="296311803"/>
+      </p:ext>
+    </p:extLst>
+  </p:cSld>
+  <p:clrMapOvr>
+    <a:masterClrMapping/>
+  </p:clrMapOvr>
+</p:sld>
+</file>
+
+<file path=ppt/slides/slide9.xml><?xml version="1.0" encoding="utf-8"?>
 <p:sld xmlns:a="http://schemas.openxmlformats.org/drawingml/2006/main" xmlns:r="http://schemas.openxmlformats.org/officeDocument/2006/relationships" xmlns:p="http://schemas.openxmlformats.org/presentationml/2006/main">
   <p:cSld>
     <p:spTree>

--- a/Presentations/MugShot Concept Pitch.pptx
+++ b/Presentations/MugShot Concept Pitch.pptx
@@ -5,7 +5,7 @@
     <p:sldMasterId id="2147483840" r:id="rId1"/>
   </p:sldMasterIdLst>
   <p:notesMasterIdLst>
-    <p:notesMasterId r:id="rId11"/>
+    <p:notesMasterId r:id="rId10"/>
   </p:notesMasterIdLst>
   <p:sldIdLst>
     <p:sldId id="256" r:id="rId2"/>
@@ -15,8 +15,7 @@
     <p:sldId id="263" r:id="rId6"/>
     <p:sldId id="259" r:id="rId7"/>
     <p:sldId id="260" r:id="rId8"/>
-    <p:sldId id="264" r:id="rId9"/>
-    <p:sldId id="262" r:id="rId10"/>
+    <p:sldId id="262" r:id="rId9"/>
   </p:sldIdLst>
   <p:sldSz cx="12192000" cy="6858000"/>
   <p:notesSz cx="6858000" cy="9144000"/>
@@ -4828,12 +4827,7 @@
             <p:ph type="title"/>
           </p:nvPr>
         </p:nvSpPr>
-        <p:spPr>
-          <a:xfrm>
-            <a:off x="252919" y="1123837"/>
-            <a:ext cx="2947482" cy="4601183"/>
-          </a:xfrm>
-        </p:spPr>
+        <p:spPr/>
         <p:txBody>
           <a:bodyPr/>
           <a:lstStyle/>
@@ -6289,94 +6283,6 @@
       </p:grpSpPr>
       <p:sp>
         <p:nvSpPr>
-          <p:cNvPr id="2" name="Title 1">
-            <a:extLst>
-              <a:ext uri="{FF2B5EF4-FFF2-40B4-BE49-F238E27FC236}">
-                <a16:creationId xmlns:a16="http://schemas.microsoft.com/office/drawing/2014/main" id="{215D351C-4F45-4CBE-8B4E-715AC0C88F70}"/>
-              </a:ext>
-            </a:extLst>
-          </p:cNvPr>
-          <p:cNvSpPr>
-            <a:spLocks noGrp="1"/>
-          </p:cNvSpPr>
-          <p:nvPr>
-            <p:ph type="title"/>
-          </p:nvPr>
-        </p:nvSpPr>
-        <p:spPr/>
-        <p:txBody>
-          <a:bodyPr/>
-          <a:lstStyle/>
-          <a:p>
-            <a:endParaRPr lang="en-GB"/>
-          </a:p>
-        </p:txBody>
-      </p:sp>
-      <p:sp>
-        <p:nvSpPr>
-          <p:cNvPr id="3" name="Content Placeholder 2">
-            <a:extLst>
-              <a:ext uri="{FF2B5EF4-FFF2-40B4-BE49-F238E27FC236}">
-                <a16:creationId xmlns:a16="http://schemas.microsoft.com/office/drawing/2014/main" id="{EEFBFB6F-E3A1-434C-99E3-6662782FC10E}"/>
-              </a:ext>
-            </a:extLst>
-          </p:cNvPr>
-          <p:cNvSpPr>
-            <a:spLocks noGrp="1"/>
-          </p:cNvSpPr>
-          <p:nvPr>
-            <p:ph idx="1"/>
-          </p:nvPr>
-        </p:nvSpPr>
-        <p:spPr/>
-        <p:txBody>
-          <a:bodyPr/>
-          <a:lstStyle/>
-          <a:p>
-            <a:r>
-              <a:rPr lang="en-US" dirty="0"/>
-              <a:t>Sound </a:t>
-            </a:r>
-            <a:r>
-              <a:rPr lang="en-US"/>
-              <a:t>Moodboard</a:t>
-            </a:r>
-            <a:endParaRPr lang="en-GB"/>
-          </a:p>
-        </p:txBody>
-      </p:sp>
-    </p:spTree>
-    <p:extLst>
-      <p:ext uri="{BB962C8B-B14F-4D97-AF65-F5344CB8AC3E}">
-        <p14:creationId xmlns:p14="http://schemas.microsoft.com/office/powerpoint/2010/main" val="296311803"/>
-      </p:ext>
-    </p:extLst>
-  </p:cSld>
-  <p:clrMapOvr>
-    <a:masterClrMapping/>
-  </p:clrMapOvr>
-</p:sld>
-</file>
-
-<file path=ppt/slides/slide9.xml><?xml version="1.0" encoding="utf-8"?>
-<p:sld xmlns:a="http://schemas.openxmlformats.org/drawingml/2006/main" xmlns:r="http://schemas.openxmlformats.org/officeDocument/2006/relationships" xmlns:p="http://schemas.openxmlformats.org/presentationml/2006/main">
-  <p:cSld>
-    <p:spTree>
-      <p:nvGrpSpPr>
-        <p:cNvPr id="1" name=""/>
-        <p:cNvGrpSpPr/>
-        <p:nvPr/>
-      </p:nvGrpSpPr>
-      <p:grpSpPr>
-        <a:xfrm>
-          <a:off x="0" y="0"/>
-          <a:ext cx="0" cy="0"/>
-          <a:chOff x="0" y="0"/>
-          <a:chExt cx="0" cy="0"/>
-        </a:xfrm>
-      </p:grpSpPr>
-      <p:sp>
-        <p:nvSpPr>
           <p:cNvPr id="2" name="Titel 1">
             <a:extLst>
               <a:ext uri="{FF2B5EF4-FFF2-40B4-BE49-F238E27FC236}">
@@ -6404,6 +6310,53 @@
           </a:p>
         </p:txBody>
       </p:sp>
+      <p:pic>
+        <p:nvPicPr>
+          <p:cNvPr id="1026" name="Picture 2" descr="Afbeeldingsresultaat voor mafia">
+            <a:extLst>
+              <a:ext uri="{FF2B5EF4-FFF2-40B4-BE49-F238E27FC236}">
+                <a16:creationId xmlns:a16="http://schemas.microsoft.com/office/drawing/2014/main" id="{AF186C20-DCD9-4C2A-8102-A52CF4AB5AE0}"/>
+              </a:ext>
+            </a:extLst>
+          </p:cNvPr>
+          <p:cNvPicPr>
+            <a:picLocks noChangeAspect="1" noChangeArrowheads="1"/>
+          </p:cNvPicPr>
+          <p:nvPr/>
+        </p:nvPicPr>
+        <p:blipFill>
+          <a:blip r:embed="rId2">
+            <a:extLst>
+              <a:ext uri="{28A0092B-C50C-407E-A947-70E740481C1C}">
+                <a14:useLocalDpi xmlns:a14="http://schemas.microsoft.com/office/drawing/2010/main" val="0"/>
+              </a:ext>
+            </a:extLst>
+          </a:blip>
+          <a:srcRect/>
+          <a:stretch>
+            <a:fillRect/>
+          </a:stretch>
+        </p:blipFill>
+        <p:spPr bwMode="auto">
+          <a:xfrm>
+            <a:off x="3439486" y="754257"/>
+            <a:ext cx="8011485" cy="5342639"/>
+          </a:xfrm>
+          <a:prstGeom prst="rect">
+            <a:avLst/>
+          </a:prstGeom>
+          <a:noFill/>
+          <a:extLst>
+            <a:ext uri="{909E8E84-426E-40DD-AFC4-6F175D3DCCD1}">
+              <a14:hiddenFill xmlns:a14="http://schemas.microsoft.com/office/drawing/2010/main">
+                <a:solidFill>
+                  <a:srgbClr val="FFFFFF"/>
+                </a:solidFill>
+              </a14:hiddenFill>
+            </a:ext>
+          </a:extLst>
+        </p:spPr>
+      </p:pic>
     </p:spTree>
     <p:extLst>
       <p:ext uri="{BB962C8B-B14F-4D97-AF65-F5344CB8AC3E}">
